--- a/410_全体説明/411_GIF説明資料.pptx
+++ b/410_全体説明/411_GIF説明資料.pptx
@@ -2,40 +2,40 @@
 <file path=ppt/presentation.xml><?xml version="1.0" encoding="utf-8"?>
 <p:presentation xmlns:a="http://schemas.openxmlformats.org/drawingml/2006/main" xmlns:r="http://schemas.openxmlformats.org/officeDocument/2006/relationships" xmlns:p="http://schemas.openxmlformats.org/presentationml/2006/main" showSpecialPlsOnTitleSld="0" removePersonalInfoOnSave="1" saveSubsetFonts="1" autoCompressPictures="0">
   <p:sldMasterIdLst>
-    <p:sldMasterId id="2147483648" r:id="rId1"/>
+    <p:sldMasterId id="2147483648" r:id="rId4"/>
   </p:sldMasterIdLst>
   <p:notesMasterIdLst>
-    <p:notesMasterId r:id="rId27"/>
+    <p:notesMasterId r:id="rId30"/>
   </p:notesMasterIdLst>
   <p:handoutMasterIdLst>
-    <p:handoutMasterId r:id="rId28"/>
+    <p:handoutMasterId r:id="rId31"/>
   </p:handoutMasterIdLst>
   <p:sldIdLst>
-    <p:sldId id="267" r:id="rId2"/>
-    <p:sldId id="2899" r:id="rId3"/>
-    <p:sldId id="2932" r:id="rId4"/>
-    <p:sldId id="2917" r:id="rId5"/>
-    <p:sldId id="2937" r:id="rId6"/>
-    <p:sldId id="2906" r:id="rId7"/>
-    <p:sldId id="389" r:id="rId8"/>
-    <p:sldId id="2928" r:id="rId9"/>
-    <p:sldId id="256" r:id="rId10"/>
-    <p:sldId id="2940" r:id="rId11"/>
-    <p:sldId id="2922" r:id="rId12"/>
-    <p:sldId id="2918" r:id="rId13"/>
-    <p:sldId id="2927" r:id="rId14"/>
-    <p:sldId id="273" r:id="rId15"/>
-    <p:sldId id="2929" r:id="rId16"/>
-    <p:sldId id="2930" r:id="rId17"/>
-    <p:sldId id="2935" r:id="rId18"/>
-    <p:sldId id="2936" r:id="rId19"/>
-    <p:sldId id="269" r:id="rId20"/>
-    <p:sldId id="2919" r:id="rId21"/>
-    <p:sldId id="2925" r:id="rId22"/>
-    <p:sldId id="2912" r:id="rId23"/>
-    <p:sldId id="2910" r:id="rId24"/>
-    <p:sldId id="2926" r:id="rId25"/>
-    <p:sldId id="2914" r:id="rId26"/>
+    <p:sldId id="267" r:id="rId5"/>
+    <p:sldId id="2899" r:id="rId6"/>
+    <p:sldId id="2932" r:id="rId7"/>
+    <p:sldId id="2917" r:id="rId8"/>
+    <p:sldId id="2937" r:id="rId9"/>
+    <p:sldId id="2906" r:id="rId10"/>
+    <p:sldId id="389" r:id="rId11"/>
+    <p:sldId id="2928" r:id="rId12"/>
+    <p:sldId id="256" r:id="rId13"/>
+    <p:sldId id="2940" r:id="rId14"/>
+    <p:sldId id="2922" r:id="rId15"/>
+    <p:sldId id="2918" r:id="rId16"/>
+    <p:sldId id="2927" r:id="rId17"/>
+    <p:sldId id="273" r:id="rId18"/>
+    <p:sldId id="2929" r:id="rId19"/>
+    <p:sldId id="2930" r:id="rId20"/>
+    <p:sldId id="2935" r:id="rId21"/>
+    <p:sldId id="2936" r:id="rId22"/>
+    <p:sldId id="269" r:id="rId23"/>
+    <p:sldId id="2919" r:id="rId24"/>
+    <p:sldId id="2925" r:id="rId25"/>
+    <p:sldId id="2912" r:id="rId26"/>
+    <p:sldId id="2910" r:id="rId27"/>
+    <p:sldId id="2926" r:id="rId28"/>
+    <p:sldId id="2914" r:id="rId29"/>
   </p:sldIdLst>
   <p:sldSz cx="12192000" cy="6858000"/>
   <p:notesSz cx="6807200" cy="9939338"/>
@@ -148,7 +148,8 @@
 <file path=ppt/revisionInfo.xml><?xml version="1.0" encoding="utf-8"?>
 <p1510:revInfo xmlns:a="http://schemas.openxmlformats.org/drawingml/2006/main" xmlns:r="http://schemas.openxmlformats.org/officeDocument/2006/relationships" xmlns:p1510="http://schemas.microsoft.com/office/powerpoint/2015/10/main">
   <p1510:revLst>
-    <p1510:client id="{20B07716-25AC-4335-8005-E17DE7D15363}" v="6" dt="2022-03-30T10:10:14.894"/>
+    <p1510:client id="{C77D6E6F-D5F5-4ED9-9576-B116318C883F}" v="3" dt="2022-05-09T00:13:44.614"/>
+    <p1510:client id="{DB6A0DFC-C749-4357-A65F-E99E4F1F8286}" v="3" dt="2022-05-13T09:37:28.009"/>
   </p1510:revLst>
 </p1510:revInfo>
 </file>
@@ -12661,7 +12662,7 @@
           <a:p>
             <a:fld id="{20FB63DF-E160-42EB-8E2B-592BF8341029}" type="datetimeFigureOut">
               <a:rPr kumimoji="1" lang="ja-JP" altLang="en-US" smtClean="0"/>
-              <a:t>2022/3/30</a:t>
+              <a:t>2022/5/13</a:t>
             </a:fld>
             <a:endParaRPr kumimoji="1" lang="ja-JP" altLang="en-US"/>
           </a:p>
@@ -12838,7 +12839,7 @@
           <a:p>
             <a:fld id="{6014164F-1AF4-4168-B424-02521B930000}" type="datetimeFigureOut">
               <a:rPr kumimoji="1" lang="ja-JP" altLang="en-US" smtClean="0"/>
-              <a:t>2022/3/30</a:t>
+              <a:t>2022/5/13</a:t>
             </a:fld>
             <a:endParaRPr kumimoji="1" lang="ja-JP" altLang="en-US"/>
           </a:p>
@@ -42430,7 +42431,9 @@
         </p:nvSpPr>
         <p:spPr/>
         <p:txBody>
-          <a:bodyPr/>
+          <a:bodyPr vert="horz" lIns="91440" tIns="45720" rIns="91440" bIns="45720" rtlCol="0" anchor="t">
+            <a:noAutofit/>
+          </a:bodyPr>
           <a:lstStyle/>
           <a:p>
             <a:r>
@@ -42515,10 +42518,18 @@
           <a:p>
             <a:pPr lvl="1"/>
             <a:r>
-              <a:rPr kumimoji="1" lang="ja-JP" altLang="en-US" sz="2000" dirty="0"/>
-              <a:t>これまでの国際的なレピュレーションを継承するため。</a:t>
-            </a:r>
-            <a:endParaRPr kumimoji="1" lang="en-US" altLang="ja-JP" sz="2000" dirty="0"/>
+              <a:rPr kumimoji="1" lang="ja-JP" altLang="en-US" sz="2000"/>
+              <a:t>これまでの国際的なレピュ</a:t>
+            </a:r>
+            <a:r>
+              <a:rPr lang="ja-JP" altLang="en-US" sz="2000"/>
+              <a:t>テ</a:t>
+            </a:r>
+            <a:r>
+              <a:rPr kumimoji="1" lang="ja-JP" altLang="en-US" sz="2000"/>
+              <a:t>ーションを継承するため。</a:t>
+            </a:r>
+            <a:endParaRPr kumimoji="1" lang="en-US" altLang="ja-JP" sz="2000"/>
           </a:p>
           <a:p>
             <a:pPr lvl="1"/>
@@ -47803,11 +47814,11 @@
 </file>
 
 <file path=customXml/item1.xml><?xml version="1.0" encoding="utf-8"?>
-<ct:contentTypeSchema xmlns:ct="http://schemas.microsoft.com/office/2006/metadata/contentType" xmlns:ma="http://schemas.microsoft.com/office/2006/metadata/properties/metaAttributes" ct:_="" ma:_="" ma:contentTypeName="ドキュメント" ma:contentTypeID="0x010100AA06A8A97B81CB449FCF07970FCC7F2C" ma:contentTypeVersion="15" ma:contentTypeDescription="新しいドキュメントを作成します。" ma:contentTypeScope="" ma:versionID="e098a45b3705cfc2493009b57a546a4a">
-  <xsd:schema xmlns:xsd="http://www.w3.org/2001/XMLSchema" xmlns:xs="http://www.w3.org/2001/XMLSchema" xmlns:p="http://schemas.microsoft.com/office/2006/metadata/properties" xmlns:ns1="http://schemas.microsoft.com/sharepoint/v3" xmlns:ns2="f29c99a9-2f7a-4302-86cb-05f0a42840fb" xmlns:ns3="418539d9-ccaa-4f07-ad3e-d267fe6a0194" targetNamespace="http://schemas.microsoft.com/office/2006/metadata/properties" ma:root="true" ma:fieldsID="f840fee6fb3897cc9ba6eb64f1070675" ns1:_="" ns2:_="" ns3:_="">
+<ct:contentTypeSchema xmlns:ct="http://schemas.microsoft.com/office/2006/metadata/contentType" xmlns:ma="http://schemas.microsoft.com/office/2006/metadata/properties/metaAttributes" ct:_="" ma:_="" ma:contentTypeName="ドキュメント" ma:contentTypeID="0x0101009605DF11039F5D478FE5EDAFD3B87737" ma:contentTypeVersion="14" ma:contentTypeDescription="新しいドキュメントを作成します。" ma:contentTypeScope="" ma:versionID="5cff38341164ef1488fc0a24456c290c">
+  <xsd:schema xmlns:xsd="http://www.w3.org/2001/XMLSchema" xmlns:xs="http://www.w3.org/2001/XMLSchema" xmlns:p="http://schemas.microsoft.com/office/2006/metadata/properties" xmlns:ns1="http://schemas.microsoft.com/sharepoint/v3" xmlns:ns2="8c3438c2-774e-4b56-8e53-485ea73e7025" xmlns:ns3="a753eb55-ace7-47fe-8293-79a8dad7846a" targetNamespace="http://schemas.microsoft.com/office/2006/metadata/properties" ma:root="true" ma:fieldsID="f13cea36877208107684981ea0154bad" ns1:_="" ns2:_="" ns3:_="">
     <xsd:import namespace="http://schemas.microsoft.com/sharepoint/v3"/>
-    <xsd:import namespace="f29c99a9-2f7a-4302-86cb-05f0a42840fb"/>
-    <xsd:import namespace="418539d9-ccaa-4f07-ad3e-d267fe6a0194"/>
+    <xsd:import namespace="8c3438c2-774e-4b56-8e53-485ea73e7025"/>
+    <xsd:import namespace="a753eb55-ace7-47fe-8293-79a8dad7846a"/>
     <xsd:element name="properties">
       <xsd:complexType>
         <xsd:sequence>
@@ -47816,19 +47827,18 @@
               <xsd:all>
                 <xsd:element ref="ns2:MediaServiceMetadata" minOccurs="0"/>
                 <xsd:element ref="ns2:MediaServiceFastMetadata" minOccurs="0"/>
+                <xsd:element ref="ns2:MediaServiceDateTaken" minOccurs="0"/>
+                <xsd:element ref="ns2:MediaLengthInSeconds" minOccurs="0"/>
+                <xsd:element ref="ns3:SharedWithUsers" minOccurs="0"/>
+                <xsd:element ref="ns3:SharedWithDetails" minOccurs="0"/>
+                <xsd:element ref="ns1:_ip_UnifiedCompliancePolicyProperties" minOccurs="0"/>
+                <xsd:element ref="ns1:_ip_UnifiedCompliancePolicyUIAction" minOccurs="0"/>
                 <xsd:element ref="ns2:MediaServiceAutoKeyPoints" minOccurs="0"/>
                 <xsd:element ref="ns2:MediaServiceKeyPoints" minOccurs="0"/>
-                <xsd:element ref="ns1:_ip_UnifiedCompliancePolicyProperties" minOccurs="0"/>
-                <xsd:element ref="ns1:_ip_UnifiedCompliancePolicyUIAction" minOccurs="0"/>
-                <xsd:element ref="ns3:SharedWithUsers" minOccurs="0"/>
-                <xsd:element ref="ns3:SharedWithDetails" minOccurs="0"/>
-                <xsd:element ref="ns2:MediaServiceDateTaken" minOccurs="0"/>
                 <xsd:element ref="ns2:MediaServiceAutoTags" minOccurs="0"/>
+                <xsd:element ref="ns2:MediaServiceOCR" minOccurs="0"/>
                 <xsd:element ref="ns2:MediaServiceGenerationTime" minOccurs="0"/>
                 <xsd:element ref="ns2:MediaServiceEventHashCode" minOccurs="0"/>
-                <xsd:element ref="ns2:MediaServiceOCR" minOccurs="0"/>
-                <xsd:element ref="ns2:MediaLengthInSeconds" minOccurs="0"/>
-                <xsd:element ref="ns2:MediaServiceLocation" minOccurs="0"/>
               </xsd:all>
             </xsd:complexType>
           </xsd:element>
@@ -47839,18 +47849,18 @@
   <xsd:schema xmlns:xsd="http://www.w3.org/2001/XMLSchema" xmlns:xs="http://www.w3.org/2001/XMLSchema" xmlns:dms="http://schemas.microsoft.com/office/2006/documentManagement/types" xmlns:pc="http://schemas.microsoft.com/office/infopath/2007/PartnerControls" targetNamespace="http://schemas.microsoft.com/sharepoint/v3" elementFormDefault="qualified">
     <xsd:import namespace="http://schemas.microsoft.com/office/2006/documentManagement/types"/>
     <xsd:import namespace="http://schemas.microsoft.com/office/infopath/2007/PartnerControls"/>
-    <xsd:element name="_ip_UnifiedCompliancePolicyProperties" ma:index="12" nillable="true" ma:displayName="統合コンプライアンス ポリシーのプロパティ" ma:hidden="true" ma:internalName="_ip_UnifiedCompliancePolicyProperties">
+    <xsd:element name="_ip_UnifiedCompliancePolicyProperties" ma:index="14" nillable="true" ma:displayName="統合コンプライアンス ポリシーのプロパティ" ma:hidden="true" ma:internalName="_ip_UnifiedCompliancePolicyProperties">
       <xsd:simpleType>
         <xsd:restriction base="dms:Note"/>
       </xsd:simpleType>
     </xsd:element>
-    <xsd:element name="_ip_UnifiedCompliancePolicyUIAction" ma:index="13" nillable="true" ma:displayName="統合コンプライアンス ポリシーの UI アクション" ma:hidden="true" ma:internalName="_ip_UnifiedCompliancePolicyUIAction">
+    <xsd:element name="_ip_UnifiedCompliancePolicyUIAction" ma:index="15" nillable="true" ma:displayName="統合コンプライアンス ポリシーの UI アクション" ma:hidden="true" ma:internalName="_ip_UnifiedCompliancePolicyUIAction">
       <xsd:simpleType>
         <xsd:restriction base="dms:Text"/>
       </xsd:simpleType>
     </xsd:element>
   </xsd:schema>
-  <xsd:schema xmlns:xsd="http://www.w3.org/2001/XMLSchema" xmlns:xs="http://www.w3.org/2001/XMLSchema" xmlns:dms="http://schemas.microsoft.com/office/2006/documentManagement/types" xmlns:pc="http://schemas.microsoft.com/office/infopath/2007/PartnerControls" targetNamespace="f29c99a9-2f7a-4302-86cb-05f0a42840fb" elementFormDefault="qualified">
+  <xsd:schema xmlns:xsd="http://www.w3.org/2001/XMLSchema" xmlns:xs="http://www.w3.org/2001/XMLSchema" xmlns:dms="http://schemas.microsoft.com/office/2006/documentManagement/types" xmlns:pc="http://schemas.microsoft.com/office/infopath/2007/PartnerControls" targetNamespace="8c3438c2-774e-4b56-8e53-485ea73e7025" elementFormDefault="qualified">
     <xsd:import namespace="http://schemas.microsoft.com/office/2006/documentManagement/types"/>
     <xsd:import namespace="http://schemas.microsoft.com/office/infopath/2007/PartnerControls"/>
     <xsd:element name="MediaServiceMetadata" ma:index="8" nillable="true" ma:displayName="MediaServiceMetadata" ma:hidden="true" ma:internalName="MediaServiceMetadata" ma:readOnly="true">
@@ -47863,60 +47873,55 @@
         <xsd:restriction base="dms:Note"/>
       </xsd:simpleType>
     </xsd:element>
-    <xsd:element name="MediaServiceAutoKeyPoints" ma:index="10" nillable="true" ma:displayName="MediaServiceAutoKeyPoints" ma:hidden="true" ma:internalName="MediaServiceAutoKeyPoints" ma:readOnly="true">
+    <xsd:element name="MediaServiceDateTaken" ma:index="10" nillable="true" ma:displayName="MediaServiceDateTaken" ma:hidden="true" ma:internalName="MediaServiceDateTaken" ma:readOnly="true">
+      <xsd:simpleType>
+        <xsd:restriction base="dms:Text"/>
+      </xsd:simpleType>
+    </xsd:element>
+    <xsd:element name="MediaLengthInSeconds" ma:index="11" nillable="true" ma:displayName="Length (seconds)" ma:internalName="MediaLengthInSeconds" ma:readOnly="true">
+      <xsd:simpleType>
+        <xsd:restriction base="dms:Unknown"/>
+      </xsd:simpleType>
+    </xsd:element>
+    <xsd:element name="MediaServiceAutoKeyPoints" ma:index="16" nillable="true" ma:displayName="MediaServiceAutoKeyPoints" ma:hidden="true" ma:internalName="MediaServiceAutoKeyPoints" ma:readOnly="true">
       <xsd:simpleType>
         <xsd:restriction base="dms:Note"/>
       </xsd:simpleType>
     </xsd:element>
-    <xsd:element name="MediaServiceKeyPoints" ma:index="11" nillable="true" ma:displayName="KeyPoints" ma:internalName="MediaServiceKeyPoints" ma:readOnly="true">
+    <xsd:element name="MediaServiceKeyPoints" ma:index="17" nillable="true" ma:displayName="KeyPoints" ma:internalName="MediaServiceKeyPoints" ma:readOnly="true">
       <xsd:simpleType>
         <xsd:restriction base="dms:Note">
           <xsd:maxLength value="255"/>
         </xsd:restriction>
       </xsd:simpleType>
     </xsd:element>
-    <xsd:element name="MediaServiceDateTaken" ma:index="16" nillable="true" ma:displayName="MediaServiceDateTaken" ma:hidden="true" ma:internalName="MediaServiceDateTaken" ma:readOnly="true">
+    <xsd:element name="MediaServiceAutoTags" ma:index="18" nillable="true" ma:displayName="Tags" ma:internalName="MediaServiceAutoTags" ma:readOnly="true">
       <xsd:simpleType>
         <xsd:restriction base="dms:Text"/>
       </xsd:simpleType>
     </xsd:element>
-    <xsd:element name="MediaServiceAutoTags" ma:index="17" nillable="true" ma:displayName="Tags" ma:internalName="MediaServiceAutoTags" ma:readOnly="true">
-      <xsd:simpleType>
-        <xsd:restriction base="dms:Text"/>
-      </xsd:simpleType>
-    </xsd:element>
-    <xsd:element name="MediaServiceGenerationTime" ma:index="18" nillable="true" ma:displayName="MediaServiceGenerationTime" ma:hidden="true" ma:internalName="MediaServiceGenerationTime" ma:readOnly="true">
-      <xsd:simpleType>
-        <xsd:restriction base="dms:Text"/>
-      </xsd:simpleType>
-    </xsd:element>
-    <xsd:element name="MediaServiceEventHashCode" ma:index="19" nillable="true" ma:displayName="MediaServiceEventHashCode" ma:hidden="true" ma:internalName="MediaServiceEventHashCode" ma:readOnly="true">
-      <xsd:simpleType>
-        <xsd:restriction base="dms:Text"/>
-      </xsd:simpleType>
-    </xsd:element>
-    <xsd:element name="MediaServiceOCR" ma:index="20" nillable="true" ma:displayName="Extracted Text" ma:internalName="MediaServiceOCR" ma:readOnly="true">
+    <xsd:element name="MediaServiceOCR" ma:index="19" nillable="true" ma:displayName="Extracted Text" ma:internalName="MediaServiceOCR" ma:readOnly="true">
       <xsd:simpleType>
         <xsd:restriction base="dms:Note">
           <xsd:maxLength value="255"/>
         </xsd:restriction>
       </xsd:simpleType>
     </xsd:element>
-    <xsd:element name="MediaLengthInSeconds" ma:index="21" nillable="true" ma:displayName="MediaLengthInSeconds" ma:hidden="true" ma:internalName="MediaLengthInSeconds" ma:readOnly="true">
+    <xsd:element name="MediaServiceGenerationTime" ma:index="20" nillable="true" ma:displayName="MediaServiceGenerationTime" ma:hidden="true" ma:internalName="MediaServiceGenerationTime" ma:readOnly="true">
       <xsd:simpleType>
-        <xsd:restriction base="dms:Unknown"/>
+        <xsd:restriction base="dms:Text"/>
       </xsd:simpleType>
     </xsd:element>
-    <xsd:element name="MediaServiceLocation" ma:index="22" nillable="true" ma:displayName="Location" ma:internalName="MediaServiceLocation" ma:readOnly="true">
+    <xsd:element name="MediaServiceEventHashCode" ma:index="21" nillable="true" ma:displayName="MediaServiceEventHashCode" ma:hidden="true" ma:internalName="MediaServiceEventHashCode" ma:readOnly="true">
       <xsd:simpleType>
         <xsd:restriction base="dms:Text"/>
       </xsd:simpleType>
     </xsd:element>
   </xsd:schema>
-  <xsd:schema xmlns:xsd="http://www.w3.org/2001/XMLSchema" xmlns:xs="http://www.w3.org/2001/XMLSchema" xmlns:dms="http://schemas.microsoft.com/office/2006/documentManagement/types" xmlns:pc="http://schemas.microsoft.com/office/infopath/2007/PartnerControls" targetNamespace="418539d9-ccaa-4f07-ad3e-d267fe6a0194" elementFormDefault="qualified">
+  <xsd:schema xmlns:xsd="http://www.w3.org/2001/XMLSchema" xmlns:xs="http://www.w3.org/2001/XMLSchema" xmlns:dms="http://schemas.microsoft.com/office/2006/documentManagement/types" xmlns:pc="http://schemas.microsoft.com/office/infopath/2007/PartnerControls" targetNamespace="a753eb55-ace7-47fe-8293-79a8dad7846a" elementFormDefault="qualified">
     <xsd:import namespace="http://schemas.microsoft.com/office/2006/documentManagement/types"/>
     <xsd:import namespace="http://schemas.microsoft.com/office/infopath/2007/PartnerControls"/>
-    <xsd:element name="SharedWithUsers" ma:index="14" nillable="true" ma:displayName="共有相手" ma:internalName="SharedWithUsers" ma:readOnly="true">
+    <xsd:element name="SharedWithUsers" ma:index="12" nillable="true" ma:displayName="共有相手" ma:internalName="SharedWithUsers" ma:readOnly="true">
       <xsd:complexType>
         <xsd:complexContent>
           <xsd:extension base="dms:UserMulti">
@@ -47935,7 +47940,7 @@
         </xsd:complexContent>
       </xsd:complexType>
     </xsd:element>
-    <xsd:element name="SharedWithDetails" ma:index="15" nillable="true" ma:displayName="共有相手の詳細情報" ma:internalName="SharedWithDetails" ma:readOnly="true">
+    <xsd:element name="SharedWithDetails" ma:index="13" nillable="true" ma:displayName="共有相手の詳細情報" ma:internalName="SharedWithDetails" ma:readOnly="true">
       <xsd:simpleType>
         <xsd:restriction base="dms:Note">
           <xsd:maxLength value="255"/>
@@ -48043,6 +48048,15 @@
 </file>
 
 <file path=customXml/item2.xml><?xml version="1.0" encoding="utf-8"?>
+<p:properties xmlns:p="http://schemas.microsoft.com/office/2006/metadata/properties" xmlns:xsi="http://www.w3.org/2001/XMLSchema-instance" xmlns:pc="http://schemas.microsoft.com/office/infopath/2007/PartnerControls">
+  <documentManagement>
+    <_ip_UnifiedCompliancePolicyUIAction xmlns="http://schemas.microsoft.com/sharepoint/v3" xsi:nil="true"/>
+    <_ip_UnifiedCompliancePolicyProperties xmlns="http://schemas.microsoft.com/sharepoint/v3" xsi:nil="true"/>
+  </documentManagement>
+</p:properties>
+</file>
+
+<file path=customXml/item3.xml><?xml version="1.0" encoding="utf-8"?>
 <?mso-contentType ?>
 <FormTemplates xmlns="http://schemas.microsoft.com/sharepoint/v3/contenttype/forms">
   <Display>DocumentLibraryForm</Display>
@@ -48051,23 +48065,40 @@
 </FormTemplates>
 </file>
 
-<file path=customXml/item3.xml><?xml version="1.0" encoding="utf-8"?>
-<p:properties xmlns:p="http://schemas.microsoft.com/office/2006/metadata/properties" xmlns:xsi="http://www.w3.org/2001/XMLSchema-instance" xmlns:pc="http://schemas.microsoft.com/office/infopath/2007/PartnerControls">
-  <documentManagement>
-    <_ip_UnifiedCompliancePolicyUIAction xmlns="http://schemas.microsoft.com/sharepoint/v3" xsi:nil="true"/>
-    <_ip_UnifiedCompliancePolicyProperties xmlns="http://schemas.microsoft.com/sharepoint/v3" xsi:nil="true"/>
-  </documentManagement>
-</p:properties>
-</file>
-
 <file path=customXml/itemProps1.xml><?xml version="1.0" encoding="utf-8"?>
-<ds:datastoreItem xmlns:ds="http://schemas.openxmlformats.org/officeDocument/2006/customXml" ds:itemID="{75A0DB09-FFA6-4EFB-909B-7F8C44CE6013}"/>
+<ds:datastoreItem xmlns:ds="http://schemas.openxmlformats.org/officeDocument/2006/customXml" ds:itemID="{09A7D8A6-21AA-4077-A55C-5BE86DDB08D1}">
+  <ds:schemaRefs>
+    <ds:schemaRef ds:uri="http://schemas.microsoft.com/office/2006/metadata/contentType"/>
+    <ds:schemaRef ds:uri="http://schemas.microsoft.com/office/2006/metadata/properties/metaAttributes"/>
+    <ds:schemaRef ds:uri="http://www.w3.org/2001/XMLSchema"/>
+    <ds:schemaRef ds:uri="http://schemas.microsoft.com/office/2006/metadata/properties"/>
+    <ds:schemaRef ds:uri="http://schemas.microsoft.com/sharepoint/v3"/>
+    <ds:schemaRef ds:uri="8c3438c2-774e-4b56-8e53-485ea73e7025"/>
+    <ds:schemaRef ds:uri="a753eb55-ace7-47fe-8293-79a8dad7846a"/>
+    <ds:schemaRef ds:uri="http://schemas.microsoft.com/office/2006/documentManagement/types"/>
+    <ds:schemaRef ds:uri="http://schemas.microsoft.com/office/infopath/2007/PartnerControls"/>
+    <ds:schemaRef ds:uri="http://schemas.openxmlformats.org/package/2006/metadata/core-properties"/>
+    <ds:schemaRef ds:uri="http://purl.org/dc/elements/1.1/"/>
+    <ds:schemaRef ds:uri="http://purl.org/dc/terms/"/>
+    <ds:schemaRef ds:uri="http://schemas.microsoft.com/internal/obd"/>
+  </ds:schemaRefs>
+</ds:datastoreItem>
 </file>
 
 <file path=customXml/itemProps2.xml><?xml version="1.0" encoding="utf-8"?>
-<ds:datastoreItem xmlns:ds="http://schemas.openxmlformats.org/officeDocument/2006/customXml" ds:itemID="{D2C500CF-8A29-41B2-940D-E4ACE24EDC53}"/>
+<ds:datastoreItem xmlns:ds="http://schemas.openxmlformats.org/officeDocument/2006/customXml" ds:itemID="{F687DB35-DACF-4645-8631-92FD4DC7CEAE}">
+  <ds:schemaRefs>
+    <ds:schemaRef ds:uri="http://schemas.microsoft.com/office/2006/metadata/properties"/>
+    <ds:schemaRef ds:uri="http://schemas.microsoft.com/office/infopath/2007/PartnerControls"/>
+    <ds:schemaRef ds:uri="http://schemas.microsoft.com/sharepoint/v3"/>
+  </ds:schemaRefs>
+</ds:datastoreItem>
 </file>
 
 <file path=customXml/itemProps3.xml><?xml version="1.0" encoding="utf-8"?>
-<ds:datastoreItem xmlns:ds="http://schemas.openxmlformats.org/officeDocument/2006/customXml" ds:itemID="{02D4852F-812D-4C77-8F7F-9CFC641F5DE2}"/>
+<ds:datastoreItem xmlns:ds="http://schemas.openxmlformats.org/officeDocument/2006/customXml" ds:itemID="{959097E6-E003-49CC-86EB-6ED7ABE37107}">
+  <ds:schemaRefs>
+    <ds:schemaRef ds:uri="http://schemas.microsoft.com/sharepoint/v3/contenttype/forms"/>
+  </ds:schemaRefs>
+</ds:datastoreItem>
 </file>
--- a/410_全体説明/411_GIF説明資料.pptx
+++ b/410_全体説明/411_GIF説明資料.pptx
@@ -148,8 +148,7 @@
 <file path=ppt/revisionInfo.xml><?xml version="1.0" encoding="utf-8"?>
 <p1510:revInfo xmlns:a="http://schemas.openxmlformats.org/drawingml/2006/main" xmlns:r="http://schemas.openxmlformats.org/officeDocument/2006/relationships" xmlns:p1510="http://schemas.microsoft.com/office/powerpoint/2015/10/main">
   <p1510:revLst>
-    <p1510:client id="{C77D6E6F-D5F5-4ED9-9576-B116318C883F}" v="3" dt="2022-05-09T00:13:44.614"/>
-    <p1510:client id="{DB6A0DFC-C749-4357-A65F-E99E4F1F8286}" v="3" dt="2022-05-13T09:37:28.009"/>
+    <p1510:client id="{BA26FF7C-132A-4576-95FA-D32A8D84AC41}" v="15" dt="2022-08-26T06:52:39.318"/>
   </p1510:revLst>
 </p1510:revInfo>
 </file>
@@ -12662,7 +12661,7 @@
           <a:p>
             <a:fld id="{20FB63DF-E160-42EB-8E2B-592BF8341029}" type="datetimeFigureOut">
               <a:rPr kumimoji="1" lang="ja-JP" altLang="en-US" smtClean="0"/>
-              <a:t>2022/5/13</a:t>
+              <a:t>2022/8/26</a:t>
             </a:fld>
             <a:endParaRPr kumimoji="1" lang="ja-JP" altLang="en-US"/>
           </a:p>
@@ -12839,7 +12838,7 @@
           <a:p>
             <a:fld id="{6014164F-1AF4-4168-B424-02521B930000}" type="datetimeFigureOut">
               <a:rPr kumimoji="1" lang="ja-JP" altLang="en-US" smtClean="0"/>
-              <a:t>2022/5/13</a:t>
+              <a:t>2022/8/26</a:t>
             </a:fld>
             <a:endParaRPr kumimoji="1" lang="ja-JP" altLang="en-US"/>
           </a:p>
@@ -17532,7 +17531,7 @@
           <a:p>
             <a:r>
               <a:rPr kumimoji="1" lang="ja-JP" altLang="en-US" sz="1000" dirty="0"/>
-              <a:t>　アーキテクチャ設計実践ガイドブック</a:t>
+              <a:t>アーキテクチャ設計実践ガイドブック</a:t>
             </a:r>
             <a:endParaRPr kumimoji="1" lang="en-US" altLang="ja-JP" sz="1000" dirty="0"/>
           </a:p>
@@ -17617,7 +17616,7 @@
         <p:spPr>
           <a:xfrm>
             <a:off x="5076608" y="1258697"/>
-            <a:ext cx="7060367" cy="706878"/>
+            <a:ext cx="7004023" cy="706878"/>
           </a:xfrm>
         </p:spPr>
         <p:txBody>
@@ -23228,12 +23227,12 @@
               <a:rPr kumimoji="1" lang="ja-JP" altLang="en-US" sz="800" dirty="0"/>
               <a:t>実装データモデル（行政）　</a:t>
             </a:r>
-            <a:endParaRPr kumimoji="1" lang="en-US" altLang="ja-JP" sz="800" dirty="0"/>
+            <a:endParaRPr lang="en-US" altLang="ja-JP" sz="800" dirty="0"/>
           </a:p>
           <a:p>
             <a:r>
               <a:rPr kumimoji="1" lang="ja-JP" altLang="en-US" sz="800" dirty="0"/>
-              <a:t>　　　　　　　　行政サービス拠点・支援機関等</a:t>
+              <a:t>　　　　　　行政サービス拠点・支援機関等</a:t>
             </a:r>
           </a:p>
           <a:p>
@@ -34647,7 +34646,7 @@
         </p:nvSpPr>
         <p:spPr>
           <a:xfrm>
-            <a:off x="4303179" y="5549671"/>
+            <a:off x="3849033" y="5549671"/>
             <a:ext cx="2236510" cy="338554"/>
           </a:xfrm>
           <a:prstGeom prst="rect">
@@ -42518,18 +42517,18 @@
           <a:p>
             <a:pPr lvl="1"/>
             <a:r>
-              <a:rPr kumimoji="1" lang="ja-JP" altLang="en-US" sz="2000"/>
+              <a:rPr kumimoji="1" lang="ja-JP" altLang="en-US" sz="2000" dirty="0"/>
               <a:t>これまでの国際的なレピュ</a:t>
             </a:r>
             <a:r>
-              <a:rPr lang="ja-JP" altLang="en-US" sz="2000"/>
+              <a:rPr lang="ja-JP" altLang="en-US" sz="2000" dirty="0"/>
               <a:t>テ</a:t>
             </a:r>
             <a:r>
-              <a:rPr kumimoji="1" lang="ja-JP" altLang="en-US" sz="2000"/>
+              <a:rPr kumimoji="1" lang="ja-JP" altLang="en-US" sz="2000" dirty="0"/>
               <a:t>ーションを継承するため。</a:t>
             </a:r>
-            <a:endParaRPr kumimoji="1" lang="en-US" altLang="ja-JP" sz="2000"/>
+            <a:endParaRPr kumimoji="1" lang="en-US" altLang="ja-JP" sz="2000" dirty="0"/>
           </a:p>
           <a:p>
             <a:pPr lvl="1"/>
@@ -44189,8 +44188,8 @@
         </p:nvSpPr>
         <p:spPr>
           <a:xfrm>
-            <a:off x="0" y="1371241"/>
-            <a:ext cx="3010350" cy="489090"/>
+            <a:off x="0" y="1371240"/>
+            <a:ext cx="3053862" cy="709605"/>
           </a:xfrm>
         </p:spPr>
         <p:txBody>
@@ -48048,21 +48047,21 @@
 </file>
 
 <file path=customXml/item2.xml><?xml version="1.0" encoding="utf-8"?>
+<?mso-contentType ?>
+<FormTemplates xmlns="http://schemas.microsoft.com/sharepoint/v3/contenttype/forms">
+  <Display>DocumentLibraryForm</Display>
+  <Edit>DocumentLibraryForm</Edit>
+  <New>DocumentLibraryForm</New>
+</FormTemplates>
+</file>
+
+<file path=customXml/item3.xml><?xml version="1.0" encoding="utf-8"?>
 <p:properties xmlns:p="http://schemas.microsoft.com/office/2006/metadata/properties" xmlns:xsi="http://www.w3.org/2001/XMLSchema-instance" xmlns:pc="http://schemas.microsoft.com/office/infopath/2007/PartnerControls">
   <documentManagement>
     <_ip_UnifiedCompliancePolicyUIAction xmlns="http://schemas.microsoft.com/sharepoint/v3" xsi:nil="true"/>
     <_ip_UnifiedCompliancePolicyProperties xmlns="http://schemas.microsoft.com/sharepoint/v3" xsi:nil="true"/>
   </documentManagement>
 </p:properties>
-</file>
-
-<file path=customXml/item3.xml><?xml version="1.0" encoding="utf-8"?>
-<?mso-contentType ?>
-<FormTemplates xmlns="http://schemas.microsoft.com/sharepoint/v3/contenttype/forms">
-  <Display>DocumentLibraryForm</Display>
-  <Edit>DocumentLibraryForm</Edit>
-  <New>DocumentLibraryForm</New>
-</FormTemplates>
 </file>
 
 <file path=customXml/itemProps1.xml><?xml version="1.0" encoding="utf-8"?>
@@ -48086,19 +48085,27 @@
 </file>
 
 <file path=customXml/itemProps2.xml><?xml version="1.0" encoding="utf-8"?>
-<ds:datastoreItem xmlns:ds="http://schemas.openxmlformats.org/officeDocument/2006/customXml" ds:itemID="{F687DB35-DACF-4645-8631-92FD4DC7CEAE}">
+<ds:datastoreItem xmlns:ds="http://schemas.openxmlformats.org/officeDocument/2006/customXml" ds:itemID="{959097E6-E003-49CC-86EB-6ED7ABE37107}">
   <ds:schemaRefs>
-    <ds:schemaRef ds:uri="http://schemas.microsoft.com/office/2006/metadata/properties"/>
-    <ds:schemaRef ds:uri="http://schemas.microsoft.com/office/infopath/2007/PartnerControls"/>
-    <ds:schemaRef ds:uri="http://schemas.microsoft.com/sharepoint/v3"/>
+    <ds:schemaRef ds:uri="http://schemas.microsoft.com/sharepoint/v3/contenttype/forms"/>
   </ds:schemaRefs>
 </ds:datastoreItem>
 </file>
 
 <file path=customXml/itemProps3.xml><?xml version="1.0" encoding="utf-8"?>
-<ds:datastoreItem xmlns:ds="http://schemas.openxmlformats.org/officeDocument/2006/customXml" ds:itemID="{959097E6-E003-49CC-86EB-6ED7ABE37107}">
+<ds:datastoreItem xmlns:ds="http://schemas.openxmlformats.org/officeDocument/2006/customXml" ds:itemID="{F687DB35-DACF-4645-8631-92FD4DC7CEAE}">
   <ds:schemaRefs>
-    <ds:schemaRef ds:uri="http://schemas.microsoft.com/sharepoint/v3/contenttype/forms"/>
+    <ds:schemaRef ds:uri="http://purl.org/dc/dcmitype/"/>
+    <ds:schemaRef ds:uri="http://schemas.microsoft.com/office/2006/documentManagement/types"/>
+    <ds:schemaRef ds:uri="http://schemas.microsoft.com/office/2006/metadata/properties"/>
+    <ds:schemaRef ds:uri="8c3438c2-774e-4b56-8e53-485ea73e7025"/>
+    <ds:schemaRef ds:uri="http://www.w3.org/XML/1998/namespace"/>
+    <ds:schemaRef ds:uri="http://purl.org/dc/terms/"/>
+    <ds:schemaRef ds:uri="http://purl.org/dc/elements/1.1/"/>
+    <ds:schemaRef ds:uri="http://schemas.microsoft.com/sharepoint/v3"/>
+    <ds:schemaRef ds:uri="http://schemas.microsoft.com/office/infopath/2007/PartnerControls"/>
+    <ds:schemaRef ds:uri="http://schemas.openxmlformats.org/package/2006/metadata/core-properties"/>
+    <ds:schemaRef ds:uri="a753eb55-ace7-47fe-8293-79a8dad7846a"/>
   </ds:schemaRefs>
 </ds:datastoreItem>
 </file>
--- a/410_全体説明/411_GIF説明資料.pptx
+++ b/410_全体説明/411_GIF説明資料.pptx
@@ -47813,8 +47813,8 @@
 </file>
 
 <file path=customXml/item1.xml><?xml version="1.0" encoding="utf-8"?>
-<ct:contentTypeSchema xmlns:ct="http://schemas.microsoft.com/office/2006/metadata/contentType" xmlns:ma="http://schemas.microsoft.com/office/2006/metadata/properties/metaAttributes" ct:_="" ma:_="" ma:contentTypeName="ドキュメント" ma:contentTypeID="0x0101009605DF11039F5D478FE5EDAFD3B87737" ma:contentTypeVersion="14" ma:contentTypeDescription="新しいドキュメントを作成します。" ma:contentTypeScope="" ma:versionID="5cff38341164ef1488fc0a24456c290c">
-  <xsd:schema xmlns:xsd="http://www.w3.org/2001/XMLSchema" xmlns:xs="http://www.w3.org/2001/XMLSchema" xmlns:p="http://schemas.microsoft.com/office/2006/metadata/properties" xmlns:ns1="http://schemas.microsoft.com/sharepoint/v3" xmlns:ns2="8c3438c2-774e-4b56-8e53-485ea73e7025" xmlns:ns3="a753eb55-ace7-47fe-8293-79a8dad7846a" targetNamespace="http://schemas.microsoft.com/office/2006/metadata/properties" ma:root="true" ma:fieldsID="f13cea36877208107684981ea0154bad" ns1:_="" ns2:_="" ns3:_="">
+<ct:contentTypeSchema xmlns:ct="http://schemas.microsoft.com/office/2006/metadata/contentType" xmlns:ma="http://schemas.microsoft.com/office/2006/metadata/properties/metaAttributes" ct:_="" ma:_="" ma:contentTypeName="ドキュメント" ma:contentTypeID="0x0101009605DF11039F5D478FE5EDAFD3B87737" ma:contentTypeVersion="17" ma:contentTypeDescription="新しいドキュメントを作成します。" ma:contentTypeScope="" ma:versionID="e82c22d9b9d1c9d5f15e730a94f0054a">
+  <xsd:schema xmlns:xsd="http://www.w3.org/2001/XMLSchema" xmlns:xs="http://www.w3.org/2001/XMLSchema" xmlns:p="http://schemas.microsoft.com/office/2006/metadata/properties" xmlns:ns1="http://schemas.microsoft.com/sharepoint/v3" xmlns:ns2="8c3438c2-774e-4b56-8e53-485ea73e7025" xmlns:ns3="a753eb55-ace7-47fe-8293-79a8dad7846a" targetNamespace="http://schemas.microsoft.com/office/2006/metadata/properties" ma:root="true" ma:fieldsID="f219453cf2bb4a031458c95bf6b08bf0" ns1:_="" ns2:_="" ns3:_="">
     <xsd:import namespace="http://schemas.microsoft.com/sharepoint/v3"/>
     <xsd:import namespace="8c3438c2-774e-4b56-8e53-485ea73e7025"/>
     <xsd:import namespace="a753eb55-ace7-47fe-8293-79a8dad7846a"/>
@@ -47838,6 +47838,8 @@
                 <xsd:element ref="ns2:MediaServiceOCR" minOccurs="0"/>
                 <xsd:element ref="ns2:MediaServiceGenerationTime" minOccurs="0"/>
                 <xsd:element ref="ns2:MediaServiceEventHashCode" minOccurs="0"/>
+                <xsd:element ref="ns2:lcf76f155ced4ddcb4097134ff3c332f" minOccurs="0"/>
+                <xsd:element ref="ns3:TaxCatchAll" minOccurs="0"/>
               </xsd:all>
             </xsd:complexType>
           </xsd:element>
@@ -47916,6 +47918,13 @@
         <xsd:restriction base="dms:Text"/>
       </xsd:simpleType>
     </xsd:element>
+    <xsd:element name="lcf76f155ced4ddcb4097134ff3c332f" ma:index="23" nillable="true" ma:taxonomy="true" ma:internalName="lcf76f155ced4ddcb4097134ff3c332f" ma:taxonomyFieldName="MediaServiceImageTags" ma:displayName="画像タグ" ma:readOnly="false" ma:fieldId="{5cf76f15-5ced-4ddc-b409-7134ff3c332f}" ma:taxonomyMulti="true" ma:sspId="1e1c6816-2a4f-4461-93c7-8dd281d6228d" ma:termSetId="09814cd3-568e-fe90-9814-8d621ff8fb84" ma:anchorId="fba54fb3-c3e1-fe81-a776-ca4b69148c4d" ma:open="true" ma:isKeyword="false">
+      <xsd:complexType>
+        <xsd:sequence>
+          <xsd:element ref="pc:Terms" minOccurs="0" maxOccurs="1"/>
+        </xsd:sequence>
+      </xsd:complexType>
+    </xsd:element>
   </xsd:schema>
   <xsd:schema xmlns:xsd="http://www.w3.org/2001/XMLSchema" xmlns:xs="http://www.w3.org/2001/XMLSchema" xmlns:dms="http://schemas.microsoft.com/office/2006/documentManagement/types" xmlns:pc="http://schemas.microsoft.com/office/infopath/2007/PartnerControls" targetNamespace="a753eb55-ace7-47fe-8293-79a8dad7846a" elementFormDefault="qualified">
     <xsd:import namespace="http://schemas.microsoft.com/office/2006/documentManagement/types"/>
@@ -47945,6 +47954,17 @@
           <xsd:maxLength value="255"/>
         </xsd:restriction>
       </xsd:simpleType>
+    </xsd:element>
+    <xsd:element name="TaxCatchAll" ma:index="24" nillable="true" ma:displayName="Taxonomy Catch All Column" ma:hidden="true" ma:list="{88513228-1833-43bb-9239-8ece679cdd95}" ma:internalName="TaxCatchAll" ma:showField="CatchAllData" ma:web="a753eb55-ace7-47fe-8293-79a8dad7846a">
+      <xsd:complexType>
+        <xsd:complexContent>
+          <xsd:extension base="dms:MultiChoiceLookup">
+            <xsd:sequence>
+              <xsd:element name="Value" type="dms:Lookup" maxOccurs="unbounded" minOccurs="0" nillable="true"/>
+            </xsd:sequence>
+          </xsd:extension>
+        </xsd:complexContent>
+      </xsd:complexType>
     </xsd:element>
   </xsd:schema>
   <xsd:schema xmlns="http://schemas.openxmlformats.org/package/2006/metadata/core-properties" xmlns:xsd="http://www.w3.org/2001/XMLSchema" xmlns:xsi="http://www.w3.org/2001/XMLSchema-instance" xmlns:dc="http://purl.org/dc/elements/1.1/" xmlns:dcterms="http://purl.org/dc/terms/" xmlns:odoc="http://schemas.microsoft.com/internal/obd" targetNamespace="http://schemas.openxmlformats.org/package/2006/metadata/core-properties" elementFormDefault="qualified" attributeFormDefault="unqualified" blockDefault="#all">
@@ -48060,28 +48080,16 @@
   <documentManagement>
     <_ip_UnifiedCompliancePolicyUIAction xmlns="http://schemas.microsoft.com/sharepoint/v3" xsi:nil="true"/>
     <_ip_UnifiedCompliancePolicyProperties xmlns="http://schemas.microsoft.com/sharepoint/v3" xsi:nil="true"/>
+    <TaxCatchAll xmlns="a753eb55-ace7-47fe-8293-79a8dad7846a" xsi:nil="true"/>
+    <lcf76f155ced4ddcb4097134ff3c332f xmlns="8c3438c2-774e-4b56-8e53-485ea73e7025">
+      <Terms xmlns="http://schemas.microsoft.com/office/infopath/2007/PartnerControls"/>
+    </lcf76f155ced4ddcb4097134ff3c332f>
   </documentManagement>
 </p:properties>
 </file>
 
 <file path=customXml/itemProps1.xml><?xml version="1.0" encoding="utf-8"?>
-<ds:datastoreItem xmlns:ds="http://schemas.openxmlformats.org/officeDocument/2006/customXml" ds:itemID="{09A7D8A6-21AA-4077-A55C-5BE86DDB08D1}">
-  <ds:schemaRefs>
-    <ds:schemaRef ds:uri="http://schemas.microsoft.com/office/2006/metadata/contentType"/>
-    <ds:schemaRef ds:uri="http://schemas.microsoft.com/office/2006/metadata/properties/metaAttributes"/>
-    <ds:schemaRef ds:uri="http://www.w3.org/2001/XMLSchema"/>
-    <ds:schemaRef ds:uri="http://schemas.microsoft.com/office/2006/metadata/properties"/>
-    <ds:schemaRef ds:uri="http://schemas.microsoft.com/sharepoint/v3"/>
-    <ds:schemaRef ds:uri="8c3438c2-774e-4b56-8e53-485ea73e7025"/>
-    <ds:schemaRef ds:uri="a753eb55-ace7-47fe-8293-79a8dad7846a"/>
-    <ds:schemaRef ds:uri="http://schemas.microsoft.com/office/2006/documentManagement/types"/>
-    <ds:schemaRef ds:uri="http://schemas.microsoft.com/office/infopath/2007/PartnerControls"/>
-    <ds:schemaRef ds:uri="http://schemas.openxmlformats.org/package/2006/metadata/core-properties"/>
-    <ds:schemaRef ds:uri="http://purl.org/dc/elements/1.1/"/>
-    <ds:schemaRef ds:uri="http://purl.org/dc/terms/"/>
-    <ds:schemaRef ds:uri="http://schemas.microsoft.com/internal/obd"/>
-  </ds:schemaRefs>
-</ds:datastoreItem>
+<ds:datastoreItem xmlns:ds="http://schemas.openxmlformats.org/officeDocument/2006/customXml" ds:itemID="{C23819AD-EE9D-42A5-9710-3B4B8C36E059}"/>
 </file>
 
 <file path=customXml/itemProps2.xml><?xml version="1.0" encoding="utf-8"?>

--- a/410_全体説明/411_GIF説明資料.pptx
+++ b/410_全体説明/411_GIF説明資料.pptx
@@ -148,7 +148,7 @@
 <file path=ppt/revisionInfo.xml><?xml version="1.0" encoding="utf-8"?>
 <p1510:revInfo xmlns:a="http://schemas.openxmlformats.org/drawingml/2006/main" xmlns:r="http://schemas.openxmlformats.org/officeDocument/2006/relationships" xmlns:p1510="http://schemas.microsoft.com/office/powerpoint/2015/10/main">
   <p1510:revLst>
-    <p1510:client id="{BA26FF7C-132A-4576-95FA-D32A8D84AC41}" v="15" dt="2022-08-26T06:52:39.318"/>
+    <p1510:client id="{BA26FF7C-132A-4576-95FA-D32A8D84AC41}" v="27" dt="2022-09-06T07:54:30.967"/>
   </p1510:revLst>
 </p1510:revInfo>
 </file>
@@ -12661,7 +12661,7 @@
           <a:p>
             <a:fld id="{20FB63DF-E160-42EB-8E2B-592BF8341029}" type="datetimeFigureOut">
               <a:rPr kumimoji="1" lang="ja-JP" altLang="en-US" smtClean="0"/>
-              <a:t>2022/8/26</a:t>
+              <a:t>2022/9/6</a:t>
             </a:fld>
             <a:endParaRPr kumimoji="1" lang="ja-JP" altLang="en-US"/>
           </a:p>
@@ -12838,7 +12838,7 @@
           <a:p>
             <a:fld id="{6014164F-1AF4-4168-B424-02521B930000}" type="datetimeFigureOut">
               <a:rPr kumimoji="1" lang="ja-JP" altLang="en-US" smtClean="0"/>
-              <a:t>2022/8/26</a:t>
+              <a:t>2022/9/6</a:t>
             </a:fld>
             <a:endParaRPr kumimoji="1" lang="ja-JP" altLang="en-US"/>
           </a:p>
@@ -16083,12 +16083,8 @@
               <a:t>GIF</a:t>
             </a:r>
             <a:r>
-              <a:rPr lang="ja-JP" altLang="en-US" dirty="0"/>
-              <a:t>の効果例</a:t>
-            </a:r>
-            <a:r>
-              <a:rPr lang="en-US" altLang="ja-JP" dirty="0"/>
-              <a:t>2</a:t>
+              <a:rPr lang="ja-JP" altLang="en-US"/>
+              <a:t>の効果例２</a:t>
             </a:r>
             <a:endParaRPr kumimoji="1" lang="ja-JP" altLang="en-US" dirty="0"/>
           </a:p>
@@ -20503,249 +20499,6 @@
       </p:sp>
       <p:sp>
         <p:nvSpPr>
-          <p:cNvPr id="69" name="正方形/長方形 68">
-            <a:extLst>
-              <a:ext uri="{FF2B5EF4-FFF2-40B4-BE49-F238E27FC236}">
-                <a16:creationId xmlns:a16="http://schemas.microsoft.com/office/drawing/2014/main" id="{3CA84A13-7D44-4215-A9A9-BD53157D1DEB}"/>
-              </a:ext>
-            </a:extLst>
-          </p:cNvPr>
-          <p:cNvSpPr/>
-          <p:nvPr/>
-        </p:nvSpPr>
-        <p:spPr>
-          <a:xfrm>
-            <a:off x="3537216" y="4718644"/>
-            <a:ext cx="911062" cy="307777"/>
-          </a:xfrm>
-          <a:prstGeom prst="rect">
-            <a:avLst/>
-          </a:prstGeom>
-        </p:spPr>
-        <p:style>
-          <a:lnRef idx="2">
-            <a:schemeClr val="dk1"/>
-          </a:lnRef>
-          <a:fillRef idx="1">
-            <a:schemeClr val="lt1"/>
-          </a:fillRef>
-          <a:effectRef idx="0">
-            <a:schemeClr val="dk1"/>
-          </a:effectRef>
-          <a:fontRef idx="minor">
-            <a:schemeClr val="dk1"/>
-          </a:fontRef>
-        </p:style>
-        <p:txBody>
-          <a:bodyPr lIns="36000" rIns="36000" rtlCol="0" anchor="ctr"/>
-          <a:lstStyle/>
-          <a:p>
-            <a:pPr algn="ctr"/>
-            <a:r>
-              <a:rPr kumimoji="1" lang="ja-JP" altLang="en-US" sz="1000" dirty="0"/>
-              <a:t>人</a:t>
-            </a:r>
-          </a:p>
-        </p:txBody>
-      </p:sp>
-      <p:sp>
-        <p:nvSpPr>
-          <p:cNvPr id="70" name="正方形/長方形 69">
-            <a:extLst>
-              <a:ext uri="{FF2B5EF4-FFF2-40B4-BE49-F238E27FC236}">
-                <a16:creationId xmlns:a16="http://schemas.microsoft.com/office/drawing/2014/main" id="{B96469FC-6BED-4AE2-8EC9-BAC8FE2B84C1}"/>
-              </a:ext>
-            </a:extLst>
-          </p:cNvPr>
-          <p:cNvSpPr/>
-          <p:nvPr/>
-        </p:nvSpPr>
-        <p:spPr>
-          <a:xfrm>
-            <a:off x="4493973" y="4718644"/>
-            <a:ext cx="911062" cy="307777"/>
-          </a:xfrm>
-          <a:prstGeom prst="rect">
-            <a:avLst/>
-          </a:prstGeom>
-        </p:spPr>
-        <p:style>
-          <a:lnRef idx="2">
-            <a:schemeClr val="dk1"/>
-          </a:lnRef>
-          <a:fillRef idx="1">
-            <a:schemeClr val="lt1"/>
-          </a:fillRef>
-          <a:effectRef idx="0">
-            <a:schemeClr val="dk1"/>
-          </a:effectRef>
-          <a:fontRef idx="minor">
-            <a:schemeClr val="dk1"/>
-          </a:fontRef>
-        </p:style>
-        <p:txBody>
-          <a:bodyPr lIns="36000" rIns="36000" rtlCol="0" anchor="ctr"/>
-          <a:lstStyle/>
-          <a:p>
-            <a:pPr algn="ctr"/>
-            <a:r>
-              <a:rPr kumimoji="1" lang="ja-JP" altLang="en-US" sz="1000" dirty="0"/>
-              <a:t>法人</a:t>
-            </a:r>
-          </a:p>
-        </p:txBody>
-      </p:sp>
-      <p:sp>
-        <p:nvSpPr>
-          <p:cNvPr id="71" name="正方形/長方形 70">
-            <a:extLst>
-              <a:ext uri="{FF2B5EF4-FFF2-40B4-BE49-F238E27FC236}">
-                <a16:creationId xmlns:a16="http://schemas.microsoft.com/office/drawing/2014/main" id="{6D8FEDFC-734C-48C1-9D8D-29D7BD6CB69C}"/>
-              </a:ext>
-            </a:extLst>
-          </p:cNvPr>
-          <p:cNvSpPr/>
-          <p:nvPr/>
-        </p:nvSpPr>
-        <p:spPr>
-          <a:xfrm>
-            <a:off x="5456820" y="4718644"/>
-            <a:ext cx="911062" cy="307777"/>
-          </a:xfrm>
-          <a:prstGeom prst="rect">
-            <a:avLst/>
-          </a:prstGeom>
-        </p:spPr>
-        <p:style>
-          <a:lnRef idx="2">
-            <a:schemeClr val="dk1"/>
-          </a:lnRef>
-          <a:fillRef idx="1">
-            <a:schemeClr val="lt1"/>
-          </a:fillRef>
-          <a:effectRef idx="0">
-            <a:schemeClr val="dk1"/>
-          </a:effectRef>
-          <a:fontRef idx="minor">
-            <a:schemeClr val="dk1"/>
-          </a:fontRef>
-        </p:style>
-        <p:txBody>
-          <a:bodyPr lIns="36000" rIns="36000" rtlCol="0" anchor="ctr"/>
-          <a:lstStyle/>
-          <a:p>
-            <a:pPr algn="ctr"/>
-            <a:r>
-              <a:rPr kumimoji="1" lang="ja-JP" altLang="en-US" sz="1000" dirty="0"/>
-              <a:t>施設</a:t>
-            </a:r>
-          </a:p>
-        </p:txBody>
-      </p:sp>
-      <p:sp>
-        <p:nvSpPr>
-          <p:cNvPr id="72" name="正方形/長方形 71">
-            <a:extLst>
-              <a:ext uri="{FF2B5EF4-FFF2-40B4-BE49-F238E27FC236}">
-                <a16:creationId xmlns:a16="http://schemas.microsoft.com/office/drawing/2014/main" id="{D64B1B38-1EA4-4AE1-AEC3-16BFE0363C89}"/>
-              </a:ext>
-            </a:extLst>
-          </p:cNvPr>
-          <p:cNvSpPr/>
-          <p:nvPr/>
-        </p:nvSpPr>
-        <p:spPr>
-          <a:xfrm>
-            <a:off x="6419668" y="4718644"/>
-            <a:ext cx="911062" cy="307777"/>
-          </a:xfrm>
-          <a:prstGeom prst="rect">
-            <a:avLst/>
-          </a:prstGeom>
-        </p:spPr>
-        <p:style>
-          <a:lnRef idx="2">
-            <a:schemeClr val="dk1"/>
-          </a:lnRef>
-          <a:fillRef idx="1">
-            <a:schemeClr val="lt1"/>
-          </a:fillRef>
-          <a:effectRef idx="0">
-            <a:schemeClr val="dk1"/>
-          </a:effectRef>
-          <a:fontRef idx="minor">
-            <a:schemeClr val="dk1"/>
-          </a:fontRef>
-        </p:style>
-        <p:txBody>
-          <a:bodyPr lIns="36000" rIns="36000" rtlCol="0" anchor="ctr"/>
-          <a:lstStyle/>
-          <a:p>
-            <a:pPr algn="ctr"/>
-            <a:r>
-              <a:rPr kumimoji="1" lang="ja-JP" altLang="en-US" sz="1000" dirty="0"/>
-              <a:t>イベント</a:t>
-            </a:r>
-          </a:p>
-        </p:txBody>
-      </p:sp>
-      <p:sp>
-        <p:nvSpPr>
-          <p:cNvPr id="74" name="正方形/長方形 73">
-            <a:extLst>
-              <a:ext uri="{FF2B5EF4-FFF2-40B4-BE49-F238E27FC236}">
-                <a16:creationId xmlns:a16="http://schemas.microsoft.com/office/drawing/2014/main" id="{A1823331-A76E-4B45-906F-C815FEB3FE66}"/>
-              </a:ext>
-            </a:extLst>
-          </p:cNvPr>
-          <p:cNvSpPr/>
-          <p:nvPr/>
-        </p:nvSpPr>
-        <p:spPr>
-          <a:xfrm>
-            <a:off x="8698499" y="4705668"/>
-            <a:ext cx="911062" cy="307777"/>
-          </a:xfrm>
-          <a:prstGeom prst="rect">
-            <a:avLst/>
-          </a:prstGeom>
-        </p:spPr>
-        <p:style>
-          <a:lnRef idx="2">
-            <a:schemeClr val="dk1"/>
-          </a:lnRef>
-          <a:fillRef idx="1">
-            <a:schemeClr val="lt1"/>
-          </a:fillRef>
-          <a:effectRef idx="0">
-            <a:schemeClr val="dk1"/>
-          </a:effectRef>
-          <a:fontRef idx="minor">
-            <a:schemeClr val="dk1"/>
-          </a:fontRef>
-        </p:style>
-        <p:txBody>
-          <a:bodyPr lIns="36000" tIns="72000" rIns="36000" rtlCol="0" anchor="ctr"/>
-          <a:lstStyle/>
-          <a:p>
-            <a:pPr algn="ctr"/>
-            <a:r>
-              <a:rPr kumimoji="1" lang="ja-JP" altLang="en-US" sz="1000" dirty="0"/>
-              <a:t>メタデータ</a:t>
-            </a:r>
-            <a:endParaRPr kumimoji="1" lang="en-US" altLang="ja-JP" sz="1000" dirty="0"/>
-          </a:p>
-          <a:p>
-            <a:pPr algn="ctr"/>
-            <a:r>
-              <a:rPr kumimoji="1" lang="ja-JP" altLang="en-US" sz="1000" dirty="0"/>
-              <a:t>（検索情報）</a:t>
-            </a:r>
-          </a:p>
-        </p:txBody>
-      </p:sp>
-      <p:sp>
-        <p:nvSpPr>
           <p:cNvPr id="76" name="正方形/長方形 75">
             <a:extLst>
               <a:ext uri="{FF2B5EF4-FFF2-40B4-BE49-F238E27FC236}">
@@ -22880,10 +22633,796 @@
       </p:sp>
       <p:sp>
         <p:nvSpPr>
-          <p:cNvPr id="3" name="矢印: 上 2">
-            <a:extLst>
-              <a:ext uri="{FF2B5EF4-FFF2-40B4-BE49-F238E27FC236}">
-                <a16:creationId xmlns:a16="http://schemas.microsoft.com/office/drawing/2014/main" id="{DA4ABB33-C432-4A54-A285-03EEC6074907}"/>
+          <p:cNvPr id="5" name="コンテンツ プレースホルダー 4">
+            <a:extLst>
+              <a:ext uri="{FF2B5EF4-FFF2-40B4-BE49-F238E27FC236}">
+                <a16:creationId xmlns:a16="http://schemas.microsoft.com/office/drawing/2014/main" id="{CAFEA5AC-2FFD-4AE4-87EA-222A1EBB880C}"/>
+              </a:ext>
+            </a:extLst>
+          </p:cNvPr>
+          <p:cNvSpPr>
+            <a:spLocks noGrp="1"/>
+          </p:cNvSpPr>
+          <p:nvPr>
+            <p:ph idx="1"/>
+          </p:nvPr>
+        </p:nvSpPr>
+        <p:spPr>
+          <a:xfrm>
+            <a:off x="0" y="1258697"/>
+            <a:ext cx="11353800" cy="591252"/>
+          </a:xfrm>
+        </p:spPr>
+        <p:txBody>
+          <a:bodyPr/>
+          <a:lstStyle/>
+          <a:p>
+            <a:r>
+              <a:rPr lang="ja-JP" altLang="en-US" sz="2400" dirty="0"/>
+              <a:t>データモデルの基礎の共通化を図り、各分野のデータを整備。</a:t>
+            </a:r>
+          </a:p>
+        </p:txBody>
+      </p:sp>
+      <p:sp>
+        <p:nvSpPr>
+          <p:cNvPr id="2" name="タイトル 1">
+            <a:extLst>
+              <a:ext uri="{FF2B5EF4-FFF2-40B4-BE49-F238E27FC236}">
+                <a16:creationId xmlns:a16="http://schemas.microsoft.com/office/drawing/2014/main" id="{A5703782-897F-4F90-95DE-88D8A4072BF8}"/>
+              </a:ext>
+            </a:extLst>
+          </p:cNvPr>
+          <p:cNvSpPr>
+            <a:spLocks noGrp="1"/>
+          </p:cNvSpPr>
+          <p:nvPr>
+            <p:ph type="title"/>
+          </p:nvPr>
+        </p:nvSpPr>
+        <p:spPr/>
+        <p:txBody>
+          <a:bodyPr/>
+          <a:lstStyle/>
+          <a:p>
+            <a:r>
+              <a:rPr lang="ja-JP" altLang="en-US" dirty="0"/>
+              <a:t>データモデル等の詳細構造</a:t>
+            </a:r>
+          </a:p>
+        </p:txBody>
+      </p:sp>
+      <p:sp>
+        <p:nvSpPr>
+          <p:cNvPr id="8" name="テキスト ボックス 7">
+            <a:extLst>
+              <a:ext uri="{FF2B5EF4-FFF2-40B4-BE49-F238E27FC236}">
+                <a16:creationId xmlns:a16="http://schemas.microsoft.com/office/drawing/2014/main" id="{A8229369-D7F2-4703-A89E-52D25E7B419E}"/>
+              </a:ext>
+            </a:extLst>
+          </p:cNvPr>
+          <p:cNvSpPr txBox="1"/>
+          <p:nvPr/>
+        </p:nvSpPr>
+        <p:spPr>
+          <a:xfrm>
+            <a:off x="4471356" y="2509568"/>
+            <a:ext cx="1816888" cy="577081"/>
+          </a:xfrm>
+          <a:prstGeom prst="rect">
+            <a:avLst/>
+          </a:prstGeom>
+          <a:noFill/>
+        </p:spPr>
+        <p:txBody>
+          <a:bodyPr wrap="square" rtlCol="0">
+            <a:spAutoFit/>
+          </a:bodyPr>
+          <a:lstStyle/>
+          <a:p>
+            <a:r>
+              <a:rPr kumimoji="1" lang="ja-JP" altLang="en-US" sz="1050" dirty="0">
+                <a:solidFill>
+                  <a:srgbClr val="0000FF"/>
+                </a:solidFill>
+              </a:rPr>
+              <a:t>小さなパーツから、組み合わせた実装モデルに展開し、</a:t>
+            </a:r>
+            <a:endParaRPr kumimoji="1" lang="en-US" altLang="ja-JP" sz="1050" dirty="0">
+              <a:solidFill>
+                <a:srgbClr val="0000FF"/>
+              </a:solidFill>
+            </a:endParaRPr>
+          </a:p>
+          <a:p>
+            <a:r>
+              <a:rPr kumimoji="1" lang="ja-JP" altLang="en-US" sz="1050" dirty="0">
+                <a:solidFill>
+                  <a:srgbClr val="0000FF"/>
+                </a:solidFill>
+              </a:rPr>
+              <a:t>標準化されたデータを整備</a:t>
+            </a:r>
+          </a:p>
+        </p:txBody>
+      </p:sp>
+      <p:sp>
+        <p:nvSpPr>
+          <p:cNvPr id="75" name="テキスト ボックス 74">
+            <a:extLst>
+              <a:ext uri="{FF2B5EF4-FFF2-40B4-BE49-F238E27FC236}">
+                <a16:creationId xmlns:a16="http://schemas.microsoft.com/office/drawing/2014/main" id="{EF3D54D7-C455-425B-9EDF-11A78E59728C}"/>
+              </a:ext>
+            </a:extLst>
+          </p:cNvPr>
+          <p:cNvSpPr txBox="1"/>
+          <p:nvPr/>
+        </p:nvSpPr>
+        <p:spPr>
+          <a:xfrm>
+            <a:off x="9745404" y="1162998"/>
+            <a:ext cx="2538633" cy="5755422"/>
+          </a:xfrm>
+          <a:prstGeom prst="rect">
+            <a:avLst/>
+          </a:prstGeom>
+          <a:noFill/>
+        </p:spPr>
+        <p:txBody>
+          <a:bodyPr wrap="square" rtlCol="0">
+            <a:spAutoFit/>
+          </a:bodyPr>
+          <a:lstStyle/>
+          <a:p>
+            <a:r>
+              <a:rPr kumimoji="1" lang="ja-JP" altLang="en-US" sz="800" u="sng" dirty="0"/>
+              <a:t>ガイドブック群</a:t>
+            </a:r>
+            <a:endParaRPr kumimoji="1" lang="en-US" altLang="ja-JP" sz="800" u="sng" dirty="0"/>
+          </a:p>
+          <a:p>
+            <a:endParaRPr kumimoji="1" lang="en-US" altLang="ja-JP" sz="800" dirty="0"/>
+          </a:p>
+          <a:p>
+            <a:r>
+              <a:rPr kumimoji="1" lang="ja-JP" altLang="en-US" sz="800" dirty="0"/>
+              <a:t>政府相互運用性フレームワーク　全体編</a:t>
+            </a:r>
+          </a:p>
+          <a:p>
+            <a:endParaRPr kumimoji="1" lang="ja-JP" altLang="en-US" sz="800" dirty="0"/>
+          </a:p>
+          <a:p>
+            <a:r>
+              <a:rPr kumimoji="1" lang="ja-JP" altLang="en-US" sz="800" dirty="0"/>
+              <a:t>コア語彙（共通語彙基盤）</a:t>
+            </a:r>
+          </a:p>
+          <a:p>
+            <a:endParaRPr kumimoji="1" lang="en-US" altLang="ja-JP" sz="800" dirty="0"/>
+          </a:p>
+          <a:p>
+            <a:r>
+              <a:rPr kumimoji="1" lang="ja-JP" altLang="en-US" sz="800" dirty="0"/>
+              <a:t>コアデータモデル　全体概要</a:t>
+            </a:r>
+          </a:p>
+          <a:p>
+            <a:r>
+              <a:rPr kumimoji="1" lang="ja-JP" altLang="en-US" sz="800" dirty="0"/>
+              <a:t>コアデータモデル解説書　個人</a:t>
+            </a:r>
+          </a:p>
+          <a:p>
+            <a:r>
+              <a:rPr kumimoji="1" lang="ja-JP" altLang="en-US" sz="800" dirty="0"/>
+              <a:t>コアデータモデル解説書　連絡先</a:t>
+            </a:r>
+          </a:p>
+          <a:p>
+            <a:r>
+              <a:rPr kumimoji="1" lang="ja-JP" altLang="en-US" sz="800" dirty="0"/>
+              <a:t>コアデータモデル解説書　住所</a:t>
+            </a:r>
+          </a:p>
+          <a:p>
+            <a:r>
+              <a:rPr kumimoji="1" lang="ja-JP" altLang="en-US" sz="800" dirty="0"/>
+              <a:t>コアデータモデル解説書　法人</a:t>
+            </a:r>
+          </a:p>
+          <a:p>
+            <a:r>
+              <a:rPr kumimoji="1" lang="ja-JP" altLang="en-US" sz="800" dirty="0"/>
+              <a:t>コアデータモデル解説書　施設</a:t>
+            </a:r>
+          </a:p>
+          <a:p>
+            <a:r>
+              <a:rPr kumimoji="1" lang="ja-JP" altLang="en-US" sz="800" dirty="0"/>
+              <a:t>コアデータモデル解説書　アクセシビリティ</a:t>
+            </a:r>
+          </a:p>
+          <a:p>
+            <a:r>
+              <a:rPr kumimoji="1" lang="ja-JP" altLang="en-US" sz="800" dirty="0"/>
+              <a:t>コアデータモデル解説書　子育て支援情報</a:t>
+            </a:r>
+          </a:p>
+          <a:p>
+            <a:endParaRPr kumimoji="1" lang="ja-JP" altLang="en-US" sz="800" dirty="0"/>
+          </a:p>
+          <a:p>
+            <a:r>
+              <a:rPr kumimoji="1" lang="ja-JP" altLang="en-US" sz="800" dirty="0"/>
+              <a:t>コアデータパーツ　日付及び時刻</a:t>
+            </a:r>
+          </a:p>
+          <a:p>
+            <a:r>
+              <a:rPr kumimoji="1" lang="ja-JP" altLang="en-US" sz="800" dirty="0"/>
+              <a:t>コアデータパーツ　住所（アドレス）</a:t>
+            </a:r>
+          </a:p>
+          <a:p>
+            <a:r>
+              <a:rPr kumimoji="1" lang="ja-JP" altLang="en-US" sz="800" dirty="0"/>
+              <a:t>コアデータパーツ　郵便番号</a:t>
+            </a:r>
+          </a:p>
+          <a:p>
+            <a:r>
+              <a:rPr kumimoji="1" lang="ja-JP" altLang="en-US" sz="800" dirty="0"/>
+              <a:t>コアデータパーツ　地理座標</a:t>
+            </a:r>
+          </a:p>
+          <a:p>
+            <a:r>
+              <a:rPr kumimoji="1" lang="ja-JP" altLang="en-US" sz="800" dirty="0"/>
+              <a:t>コアデータパーツ　電話番号</a:t>
+            </a:r>
+          </a:p>
+          <a:p>
+            <a:endParaRPr kumimoji="1" lang="ja-JP" altLang="en-US" sz="800" dirty="0"/>
+          </a:p>
+          <a:p>
+            <a:r>
+              <a:rPr kumimoji="1" lang="ja-JP" altLang="en-US" sz="800" dirty="0"/>
+              <a:t>実装データモデル（行政）　申請・届出</a:t>
+            </a:r>
+          </a:p>
+          <a:p>
+            <a:r>
+              <a:rPr kumimoji="1" lang="ja-JP" altLang="en-US" sz="800" dirty="0"/>
+              <a:t>実装データモデル（行政）　証明・通知</a:t>
+            </a:r>
+          </a:p>
+          <a:p>
+            <a:r>
+              <a:rPr kumimoji="1" lang="ja-JP" altLang="en-US" sz="800" dirty="0"/>
+              <a:t>実装データモデル（行政）　事例</a:t>
+            </a:r>
+          </a:p>
+          <a:p>
+            <a:r>
+              <a:rPr kumimoji="1" lang="ja-JP" altLang="en-US" sz="800" dirty="0"/>
+              <a:t>実装データモデル（行政）　行政サービス・制度</a:t>
+            </a:r>
+          </a:p>
+          <a:p>
+            <a:r>
+              <a:rPr kumimoji="1" lang="ja-JP" altLang="en-US" sz="800" dirty="0"/>
+              <a:t>実装データモデル（行政）　イベント</a:t>
+            </a:r>
+          </a:p>
+          <a:p>
+            <a:r>
+              <a:rPr kumimoji="1" lang="ja-JP" altLang="en-US" sz="800" dirty="0"/>
+              <a:t>実装データモデル（行政）　報告書</a:t>
+            </a:r>
+          </a:p>
+          <a:p>
+            <a:r>
+              <a:rPr kumimoji="1" lang="ja-JP" altLang="en-US" sz="800" dirty="0"/>
+              <a:t>実装データモデル（行政）　</a:t>
+            </a:r>
+            <a:endParaRPr lang="en-US" altLang="ja-JP" sz="800" dirty="0"/>
+          </a:p>
+          <a:p>
+            <a:r>
+              <a:rPr kumimoji="1" lang="ja-JP" altLang="en-US" sz="800" dirty="0"/>
+              <a:t>　　　　　　行政サービス拠点・支援機関等</a:t>
+            </a:r>
+          </a:p>
+          <a:p>
+            <a:r>
+              <a:rPr kumimoji="1" lang="ja-JP" altLang="en-US" sz="800" dirty="0"/>
+              <a:t>実装データモデル（行政）　調達</a:t>
+            </a:r>
+          </a:p>
+          <a:p>
+            <a:endParaRPr kumimoji="1" lang="ja-JP" altLang="en-US" sz="800" dirty="0"/>
+          </a:p>
+          <a:p>
+            <a:r>
+              <a:rPr kumimoji="1" lang="ja-JP" altLang="en-US" sz="800" dirty="0"/>
+              <a:t>文字環境導入実践ガイドブック</a:t>
+            </a:r>
+          </a:p>
+          <a:p>
+            <a:r>
+              <a:rPr kumimoji="1" lang="ja-JP" altLang="en-US" sz="800" dirty="0"/>
+              <a:t>マスターデータ等基本データ導入実践ガイドブック</a:t>
+            </a:r>
+          </a:p>
+          <a:p>
+            <a:r>
+              <a:rPr kumimoji="1" lang="ja-JP" altLang="en-US" sz="800" dirty="0"/>
+              <a:t>コード（分類体系）導入実践ガイドブック</a:t>
+            </a:r>
+          </a:p>
+          <a:p>
+            <a:r>
+              <a:rPr kumimoji="1" lang="en-US" altLang="ja-JP" sz="800" dirty="0"/>
+              <a:t>API</a:t>
+            </a:r>
+            <a:r>
+              <a:rPr kumimoji="1" lang="ja-JP" altLang="en-US" sz="800" dirty="0"/>
+              <a:t>導入実践ガイドブック</a:t>
+            </a:r>
+          </a:p>
+          <a:p>
+            <a:r>
+              <a:rPr kumimoji="1" lang="ja-JP" altLang="en-US" sz="800" dirty="0"/>
+              <a:t>データマネジメント実践ガイドブック</a:t>
+            </a:r>
+          </a:p>
+          <a:p>
+            <a:r>
+              <a:rPr kumimoji="1" lang="ja-JP" altLang="en-US" sz="800" dirty="0"/>
+              <a:t>データ人材管理実践ガイドブック</a:t>
+            </a:r>
+          </a:p>
+          <a:p>
+            <a:r>
+              <a:rPr kumimoji="1" lang="ja-JP" altLang="en-US" sz="800" dirty="0"/>
+              <a:t>データ環境整備のための</a:t>
+            </a:r>
+            <a:endParaRPr kumimoji="1" lang="en-US" altLang="ja-JP" sz="800" dirty="0"/>
+          </a:p>
+          <a:p>
+            <a:r>
+              <a:rPr kumimoji="1" lang="ja-JP" altLang="en-US" sz="800" dirty="0"/>
+              <a:t>　　　　　　アーキテクチャ管理実践ガイドブック</a:t>
+            </a:r>
+          </a:p>
+          <a:p>
+            <a:r>
+              <a:rPr kumimoji="1" lang="ja-JP" altLang="en-US" sz="800" dirty="0"/>
+              <a:t>データ品質管理ガイドブック</a:t>
+            </a:r>
+          </a:p>
+          <a:p>
+            <a:r>
+              <a:rPr kumimoji="1" lang="ja-JP" altLang="en-US" sz="800" dirty="0"/>
+              <a:t>メタデータ導入実践ガイドブック</a:t>
+            </a:r>
+          </a:p>
+          <a:p>
+            <a:endParaRPr kumimoji="1" lang="ja-JP" altLang="en-US" sz="800" dirty="0"/>
+          </a:p>
+          <a:p>
+            <a:r>
+              <a:rPr kumimoji="1" lang="ja-JP" altLang="en-US" sz="800" dirty="0"/>
+              <a:t>コード　サービスカタログ</a:t>
+            </a:r>
+          </a:p>
+          <a:p>
+            <a:r>
+              <a:rPr kumimoji="1" lang="ja-JP" altLang="en-US" sz="800" dirty="0"/>
+              <a:t>コード　コード一覧</a:t>
+            </a:r>
+          </a:p>
+          <a:p>
+            <a:r>
+              <a:rPr kumimoji="1" lang="ja-JP" altLang="en-US" sz="800" dirty="0"/>
+              <a:t>コード　</a:t>
+            </a:r>
+            <a:r>
+              <a:rPr kumimoji="1" lang="en-US" altLang="ja-JP" sz="800" dirty="0"/>
+              <a:t>POI</a:t>
+            </a:r>
+            <a:r>
+              <a:rPr kumimoji="1" lang="ja-JP" altLang="en-US" sz="800" dirty="0"/>
+              <a:t>コード</a:t>
+            </a:r>
+          </a:p>
+          <a:p>
+            <a:r>
+              <a:rPr kumimoji="1" lang="ja-JP" altLang="en-US" sz="800" dirty="0"/>
+              <a:t>ルール　</a:t>
+            </a:r>
+            <a:r>
+              <a:rPr kumimoji="1" lang="en-US" altLang="ja-JP" sz="800" dirty="0"/>
+              <a:t>GIF</a:t>
+            </a:r>
+            <a:r>
+              <a:rPr kumimoji="1" lang="ja-JP" altLang="en-US" sz="800" dirty="0"/>
+              <a:t>推進に有益なルール等</a:t>
+            </a:r>
+          </a:p>
+        </p:txBody>
+      </p:sp>
+      <p:sp>
+        <p:nvSpPr>
+          <p:cNvPr id="116" name="スライド番号プレースホルダー 3">
+            <a:extLst>
+              <a:ext uri="{FF2B5EF4-FFF2-40B4-BE49-F238E27FC236}">
+                <a16:creationId xmlns:a16="http://schemas.microsoft.com/office/drawing/2014/main" id="{7C3A1DC4-4FB7-4A7A-86E9-ADFED67DFF6D}"/>
+              </a:ext>
+            </a:extLst>
+          </p:cNvPr>
+          <p:cNvSpPr>
+            <a:spLocks noGrp="1"/>
+          </p:cNvSpPr>
+          <p:nvPr>
+            <p:ph type="sldNum" sz="quarter" idx="4"/>
+          </p:nvPr>
+        </p:nvSpPr>
+        <p:spPr>
+          <a:xfrm>
+            <a:off x="9435686" y="6492875"/>
+            <a:ext cx="2743200" cy="365125"/>
+          </a:xfrm>
+        </p:spPr>
+        <p:txBody>
+          <a:bodyPr/>
+          <a:lstStyle/>
+          <a:p>
+            <a:fld id="{DFD4F317-19D0-4848-B5EB-5B174DBE8CF9}" type="slidenum">
+              <a:rPr lang="ja-JP" altLang="en-US" smtClean="0"/>
+              <a:pPr/>
+              <a:t>12</a:t>
+            </a:fld>
+            <a:endParaRPr lang="ja-JP" altLang="en-US"/>
+          </a:p>
+        </p:txBody>
+      </p:sp>
+      <p:sp>
+        <p:nvSpPr>
+          <p:cNvPr id="124" name="正方形/長方形 123">
+            <a:extLst>
+              <a:ext uri="{FF2B5EF4-FFF2-40B4-BE49-F238E27FC236}">
+                <a16:creationId xmlns:a16="http://schemas.microsoft.com/office/drawing/2014/main" id="{82D217A6-36A5-4738-9ACC-C1E518FC18C2}"/>
+              </a:ext>
+            </a:extLst>
+          </p:cNvPr>
+          <p:cNvSpPr/>
+          <p:nvPr/>
+        </p:nvSpPr>
+        <p:spPr>
+          <a:xfrm>
+            <a:off x="2124053" y="4718644"/>
+            <a:ext cx="911062" cy="307777"/>
+          </a:xfrm>
+          <a:prstGeom prst="rect">
+            <a:avLst/>
+          </a:prstGeom>
+        </p:spPr>
+        <p:style>
+          <a:lnRef idx="2">
+            <a:schemeClr val="dk1"/>
+          </a:lnRef>
+          <a:fillRef idx="1">
+            <a:schemeClr val="lt1"/>
+          </a:fillRef>
+          <a:effectRef idx="0">
+            <a:schemeClr val="dk1"/>
+          </a:effectRef>
+          <a:fontRef idx="minor">
+            <a:schemeClr val="dk1"/>
+          </a:fontRef>
+        </p:style>
+        <p:txBody>
+          <a:bodyPr lIns="36000" rIns="36000" rtlCol="0" anchor="ctr"/>
+          <a:lstStyle/>
+          <a:p>
+            <a:pPr algn="ctr"/>
+            <a:r>
+              <a:rPr kumimoji="1" lang="ja-JP" altLang="en-US" sz="1000" dirty="0"/>
+              <a:t>人</a:t>
+            </a:r>
+          </a:p>
+        </p:txBody>
+      </p:sp>
+      <p:sp>
+        <p:nvSpPr>
+          <p:cNvPr id="125" name="正方形/長方形 124">
+            <a:extLst>
+              <a:ext uri="{FF2B5EF4-FFF2-40B4-BE49-F238E27FC236}">
+                <a16:creationId xmlns:a16="http://schemas.microsoft.com/office/drawing/2014/main" id="{9C02C3B0-3301-406E-88C7-F4F3399BCDC2}"/>
+              </a:ext>
+            </a:extLst>
+          </p:cNvPr>
+          <p:cNvSpPr/>
+          <p:nvPr/>
+        </p:nvSpPr>
+        <p:spPr>
+          <a:xfrm>
+            <a:off x="3080810" y="4718644"/>
+            <a:ext cx="911062" cy="307777"/>
+          </a:xfrm>
+          <a:prstGeom prst="rect">
+            <a:avLst/>
+          </a:prstGeom>
+        </p:spPr>
+        <p:style>
+          <a:lnRef idx="2">
+            <a:schemeClr val="dk1"/>
+          </a:lnRef>
+          <a:fillRef idx="1">
+            <a:schemeClr val="lt1"/>
+          </a:fillRef>
+          <a:effectRef idx="0">
+            <a:schemeClr val="dk1"/>
+          </a:effectRef>
+          <a:fontRef idx="minor">
+            <a:schemeClr val="dk1"/>
+          </a:fontRef>
+        </p:style>
+        <p:txBody>
+          <a:bodyPr lIns="36000" rIns="36000" rtlCol="0" anchor="ctr"/>
+          <a:lstStyle/>
+          <a:p>
+            <a:pPr algn="ctr"/>
+            <a:r>
+              <a:rPr kumimoji="1" lang="ja-JP" altLang="en-US" sz="1000" dirty="0"/>
+              <a:t>法人</a:t>
+            </a:r>
+          </a:p>
+        </p:txBody>
+      </p:sp>
+      <p:sp>
+        <p:nvSpPr>
+          <p:cNvPr id="126" name="正方形/長方形 125">
+            <a:extLst>
+              <a:ext uri="{FF2B5EF4-FFF2-40B4-BE49-F238E27FC236}">
+                <a16:creationId xmlns:a16="http://schemas.microsoft.com/office/drawing/2014/main" id="{932D096B-7D7F-41DD-B927-421F055E9676}"/>
+              </a:ext>
+            </a:extLst>
+          </p:cNvPr>
+          <p:cNvSpPr/>
+          <p:nvPr/>
+        </p:nvSpPr>
+        <p:spPr>
+          <a:xfrm>
+            <a:off x="5964816" y="4718644"/>
+            <a:ext cx="911062" cy="307777"/>
+          </a:xfrm>
+          <a:prstGeom prst="rect">
+            <a:avLst/>
+          </a:prstGeom>
+        </p:spPr>
+        <p:style>
+          <a:lnRef idx="2">
+            <a:schemeClr val="dk1"/>
+          </a:lnRef>
+          <a:fillRef idx="1">
+            <a:schemeClr val="lt1"/>
+          </a:fillRef>
+          <a:effectRef idx="0">
+            <a:schemeClr val="dk1"/>
+          </a:effectRef>
+          <a:fontRef idx="minor">
+            <a:schemeClr val="dk1"/>
+          </a:fontRef>
+        </p:style>
+        <p:txBody>
+          <a:bodyPr lIns="36000" rIns="36000" rtlCol="0" anchor="ctr"/>
+          <a:lstStyle/>
+          <a:p>
+            <a:pPr algn="ctr"/>
+            <a:r>
+              <a:rPr kumimoji="1" lang="ja-JP" altLang="en-US" sz="1000" dirty="0"/>
+              <a:t>施設</a:t>
+            </a:r>
+          </a:p>
+        </p:txBody>
+      </p:sp>
+      <p:sp>
+        <p:nvSpPr>
+          <p:cNvPr id="127" name="正方形/長方形 126">
+            <a:extLst>
+              <a:ext uri="{FF2B5EF4-FFF2-40B4-BE49-F238E27FC236}">
+                <a16:creationId xmlns:a16="http://schemas.microsoft.com/office/drawing/2014/main" id="{6F34E767-F54A-4BB7-BA5E-2E61246BD8CF}"/>
+              </a:ext>
+            </a:extLst>
+          </p:cNvPr>
+          <p:cNvSpPr/>
+          <p:nvPr/>
+        </p:nvSpPr>
+        <p:spPr>
+          <a:xfrm>
+            <a:off x="6927664" y="4718644"/>
+            <a:ext cx="911062" cy="307777"/>
+          </a:xfrm>
+          <a:prstGeom prst="rect">
+            <a:avLst/>
+          </a:prstGeom>
+        </p:spPr>
+        <p:style>
+          <a:lnRef idx="2">
+            <a:schemeClr val="dk1"/>
+          </a:lnRef>
+          <a:fillRef idx="1">
+            <a:schemeClr val="lt1"/>
+          </a:fillRef>
+          <a:effectRef idx="0">
+            <a:schemeClr val="dk1"/>
+          </a:effectRef>
+          <a:fontRef idx="minor">
+            <a:schemeClr val="dk1"/>
+          </a:fontRef>
+        </p:style>
+        <p:txBody>
+          <a:bodyPr lIns="36000" rIns="36000" rtlCol="0" anchor="ctr"/>
+          <a:lstStyle/>
+          <a:p>
+            <a:pPr algn="ctr"/>
+            <a:r>
+              <a:rPr kumimoji="1" lang="ja-JP" altLang="en-US" sz="1000" dirty="0"/>
+              <a:t>設備</a:t>
+            </a:r>
+          </a:p>
+        </p:txBody>
+      </p:sp>
+      <p:sp>
+        <p:nvSpPr>
+          <p:cNvPr id="128" name="正方形/長方形 127">
+            <a:extLst>
+              <a:ext uri="{FF2B5EF4-FFF2-40B4-BE49-F238E27FC236}">
+                <a16:creationId xmlns:a16="http://schemas.microsoft.com/office/drawing/2014/main" id="{FB258D0B-009B-4D37-98C2-316FA946DEAA}"/>
+              </a:ext>
+            </a:extLst>
+          </p:cNvPr>
+          <p:cNvSpPr/>
+          <p:nvPr/>
+        </p:nvSpPr>
+        <p:spPr>
+          <a:xfrm>
+            <a:off x="4051579" y="4718644"/>
+            <a:ext cx="911062" cy="307777"/>
+          </a:xfrm>
+          <a:prstGeom prst="rect">
+            <a:avLst/>
+          </a:prstGeom>
+        </p:spPr>
+        <p:style>
+          <a:lnRef idx="2">
+            <a:schemeClr val="dk1"/>
+          </a:lnRef>
+          <a:fillRef idx="1">
+            <a:schemeClr val="lt1"/>
+          </a:fillRef>
+          <a:effectRef idx="0">
+            <a:schemeClr val="dk1"/>
+          </a:effectRef>
+          <a:fontRef idx="minor">
+            <a:schemeClr val="dk1"/>
+          </a:fontRef>
+        </p:style>
+        <p:txBody>
+          <a:bodyPr lIns="36000" rIns="36000" rtlCol="0" anchor="ctr"/>
+          <a:lstStyle/>
+          <a:p>
+            <a:pPr algn="ctr"/>
+            <a:r>
+              <a:rPr kumimoji="1" lang="ja-JP" altLang="en-US" sz="1000" dirty="0"/>
+              <a:t>土地</a:t>
+            </a:r>
+          </a:p>
+        </p:txBody>
+      </p:sp>
+      <p:sp>
+        <p:nvSpPr>
+          <p:cNvPr id="129" name="正方形/長方形 128">
+            <a:extLst>
+              <a:ext uri="{FF2B5EF4-FFF2-40B4-BE49-F238E27FC236}">
+                <a16:creationId xmlns:a16="http://schemas.microsoft.com/office/drawing/2014/main" id="{CAA92489-CDD6-458C-8EA2-CF1D11F68B86}"/>
+              </a:ext>
+            </a:extLst>
+          </p:cNvPr>
+          <p:cNvSpPr/>
+          <p:nvPr/>
+        </p:nvSpPr>
+        <p:spPr>
+          <a:xfrm>
+            <a:off x="5008336" y="4718644"/>
+            <a:ext cx="911062" cy="307777"/>
+          </a:xfrm>
+          <a:prstGeom prst="rect">
+            <a:avLst/>
+          </a:prstGeom>
+        </p:spPr>
+        <p:style>
+          <a:lnRef idx="2">
+            <a:schemeClr val="dk1"/>
+          </a:lnRef>
+          <a:fillRef idx="1">
+            <a:schemeClr val="lt1"/>
+          </a:fillRef>
+          <a:effectRef idx="0">
+            <a:schemeClr val="dk1"/>
+          </a:effectRef>
+          <a:fontRef idx="minor">
+            <a:schemeClr val="dk1"/>
+          </a:fontRef>
+        </p:style>
+        <p:txBody>
+          <a:bodyPr lIns="36000" rIns="36000" rtlCol="0" anchor="ctr"/>
+          <a:lstStyle/>
+          <a:p>
+            <a:pPr algn="ctr"/>
+            <a:r>
+              <a:rPr kumimoji="1" lang="ja-JP" altLang="en-US" sz="1000" dirty="0"/>
+              <a:t>建物</a:t>
+            </a:r>
+          </a:p>
+        </p:txBody>
+      </p:sp>
+      <p:sp>
+        <p:nvSpPr>
+          <p:cNvPr id="130" name="正方形/長方形 129">
+            <a:extLst>
+              <a:ext uri="{FF2B5EF4-FFF2-40B4-BE49-F238E27FC236}">
+                <a16:creationId xmlns:a16="http://schemas.microsoft.com/office/drawing/2014/main" id="{B3F89B70-4B87-4711-90A4-63CC1718CE93}"/>
+              </a:ext>
+            </a:extLst>
+          </p:cNvPr>
+          <p:cNvSpPr/>
+          <p:nvPr/>
+        </p:nvSpPr>
+        <p:spPr>
+          <a:xfrm>
+            <a:off x="7893341" y="4718644"/>
+            <a:ext cx="911062" cy="307777"/>
+          </a:xfrm>
+          <a:prstGeom prst="rect">
+            <a:avLst/>
+          </a:prstGeom>
+        </p:spPr>
+        <p:style>
+          <a:lnRef idx="2">
+            <a:schemeClr val="dk1"/>
+          </a:lnRef>
+          <a:fillRef idx="1">
+            <a:schemeClr val="lt1"/>
+          </a:fillRef>
+          <a:effectRef idx="0">
+            <a:schemeClr val="dk1"/>
+          </a:effectRef>
+          <a:fontRef idx="minor">
+            <a:schemeClr val="dk1"/>
+          </a:fontRef>
+        </p:style>
+        <p:txBody>
+          <a:bodyPr lIns="36000" rIns="36000" rtlCol="0" anchor="ctr"/>
+          <a:lstStyle/>
+          <a:p>
+            <a:pPr algn="ctr"/>
+            <a:r>
+              <a:rPr kumimoji="1" lang="ja-JP" altLang="en-US" sz="1000" dirty="0"/>
+              <a:t>イベント</a:t>
+            </a:r>
+          </a:p>
+        </p:txBody>
+      </p:sp>
+      <p:sp>
+        <p:nvSpPr>
+          <p:cNvPr id="131" name="矢印: 上 130">
+            <a:extLst>
+              <a:ext uri="{FF2B5EF4-FFF2-40B4-BE49-F238E27FC236}">
+                <a16:creationId xmlns:a16="http://schemas.microsoft.com/office/drawing/2014/main" id="{AF3E359C-79C8-4BB2-A1AD-B6F2B619E311}"/>
               </a:ext>
             </a:extLst>
           </p:cNvPr>
@@ -22934,422 +23473,55 @@
       </p:sp>
       <p:sp>
         <p:nvSpPr>
-          <p:cNvPr id="5" name="コンテンツ プレースホルダー 4">
-            <a:extLst>
-              <a:ext uri="{FF2B5EF4-FFF2-40B4-BE49-F238E27FC236}">
-                <a16:creationId xmlns:a16="http://schemas.microsoft.com/office/drawing/2014/main" id="{CAFEA5AC-2FFD-4AE4-87EA-222A1EBB880C}"/>
-              </a:ext>
-            </a:extLst>
-          </p:cNvPr>
-          <p:cNvSpPr>
-            <a:spLocks noGrp="1"/>
-          </p:cNvSpPr>
-          <p:nvPr>
-            <p:ph idx="1"/>
-          </p:nvPr>
-        </p:nvSpPr>
-        <p:spPr>
-          <a:xfrm>
-            <a:off x="0" y="1258697"/>
-            <a:ext cx="11353800" cy="591252"/>
-          </a:xfrm>
-        </p:spPr>
-        <p:txBody>
-          <a:bodyPr/>
+          <p:cNvPr id="132" name="正方形/長方形 131">
+            <a:extLst>
+              <a:ext uri="{FF2B5EF4-FFF2-40B4-BE49-F238E27FC236}">
+                <a16:creationId xmlns:a16="http://schemas.microsoft.com/office/drawing/2014/main" id="{5F501562-DE17-4C9D-AD9B-3CFD65A9D690}"/>
+              </a:ext>
+            </a:extLst>
+          </p:cNvPr>
+          <p:cNvSpPr/>
+          <p:nvPr/>
+        </p:nvSpPr>
+        <p:spPr>
+          <a:xfrm>
+            <a:off x="8678337" y="5275795"/>
+            <a:ext cx="911062" cy="307777"/>
+          </a:xfrm>
+          <a:prstGeom prst="rect">
+            <a:avLst/>
+          </a:prstGeom>
+        </p:spPr>
+        <p:style>
+          <a:lnRef idx="2">
+            <a:schemeClr val="dk1"/>
+          </a:lnRef>
+          <a:fillRef idx="1">
+            <a:schemeClr val="lt1"/>
+          </a:fillRef>
+          <a:effectRef idx="0">
+            <a:schemeClr val="dk1"/>
+          </a:effectRef>
+          <a:fontRef idx="minor">
+            <a:schemeClr val="dk1"/>
+          </a:fontRef>
+        </p:style>
+        <p:txBody>
+          <a:bodyPr lIns="36000" tIns="72000" rIns="36000" rtlCol="0" anchor="ctr"/>
           <a:lstStyle/>
           <a:p>
-            <a:r>
-              <a:rPr lang="ja-JP" altLang="en-US" sz="2400" dirty="0"/>
-              <a:t>データモデルの基礎の共通化を図り、各分野のデータを整備。</a:t>
-            </a:r>
-          </a:p>
-        </p:txBody>
-      </p:sp>
-      <p:sp>
-        <p:nvSpPr>
-          <p:cNvPr id="2" name="タイトル 1">
-            <a:extLst>
-              <a:ext uri="{FF2B5EF4-FFF2-40B4-BE49-F238E27FC236}">
-                <a16:creationId xmlns:a16="http://schemas.microsoft.com/office/drawing/2014/main" id="{A5703782-897F-4F90-95DE-88D8A4072BF8}"/>
-              </a:ext>
-            </a:extLst>
-          </p:cNvPr>
-          <p:cNvSpPr>
-            <a:spLocks noGrp="1"/>
-          </p:cNvSpPr>
-          <p:nvPr>
-            <p:ph type="title"/>
-          </p:nvPr>
-        </p:nvSpPr>
-        <p:spPr/>
-        <p:txBody>
-          <a:bodyPr/>
-          <a:lstStyle/>
-          <a:p>
-            <a:r>
-              <a:rPr lang="ja-JP" altLang="en-US" dirty="0"/>
-              <a:t>データモデル等の詳細構造</a:t>
-            </a:r>
-          </a:p>
-        </p:txBody>
-      </p:sp>
-      <p:sp>
-        <p:nvSpPr>
-          <p:cNvPr id="8" name="テキスト ボックス 7">
-            <a:extLst>
-              <a:ext uri="{FF2B5EF4-FFF2-40B4-BE49-F238E27FC236}">
-                <a16:creationId xmlns:a16="http://schemas.microsoft.com/office/drawing/2014/main" id="{A8229369-D7F2-4703-A89E-52D25E7B419E}"/>
-              </a:ext>
-            </a:extLst>
-          </p:cNvPr>
-          <p:cNvSpPr txBox="1"/>
-          <p:nvPr/>
-        </p:nvSpPr>
-        <p:spPr>
-          <a:xfrm>
-            <a:off x="4471356" y="2509568"/>
-            <a:ext cx="1816888" cy="577081"/>
-          </a:xfrm>
-          <a:prstGeom prst="rect">
-            <a:avLst/>
-          </a:prstGeom>
-          <a:noFill/>
-        </p:spPr>
-        <p:txBody>
-          <a:bodyPr wrap="square" rtlCol="0">
-            <a:spAutoFit/>
-          </a:bodyPr>
-          <a:lstStyle/>
-          <a:p>
-            <a:r>
-              <a:rPr kumimoji="1" lang="ja-JP" altLang="en-US" sz="1050" dirty="0">
-                <a:solidFill>
-                  <a:srgbClr val="0000FF"/>
-                </a:solidFill>
-              </a:rPr>
-              <a:t>小さなパーツから、組み合わせた実装モデルに展開し、</a:t>
-            </a:r>
-            <a:endParaRPr kumimoji="1" lang="en-US" altLang="ja-JP" sz="1050" dirty="0">
-              <a:solidFill>
-                <a:srgbClr val="0000FF"/>
-              </a:solidFill>
-            </a:endParaRPr>
-          </a:p>
-          <a:p>
-            <a:r>
-              <a:rPr kumimoji="1" lang="ja-JP" altLang="en-US" sz="1050" dirty="0">
-                <a:solidFill>
-                  <a:srgbClr val="0000FF"/>
-                </a:solidFill>
-              </a:rPr>
-              <a:t>標準化されたデータを整備</a:t>
-            </a:r>
-          </a:p>
-        </p:txBody>
-      </p:sp>
-      <p:sp>
-        <p:nvSpPr>
-          <p:cNvPr id="75" name="テキスト ボックス 74">
-            <a:extLst>
-              <a:ext uri="{FF2B5EF4-FFF2-40B4-BE49-F238E27FC236}">
-                <a16:creationId xmlns:a16="http://schemas.microsoft.com/office/drawing/2014/main" id="{EF3D54D7-C455-425B-9EDF-11A78E59728C}"/>
-              </a:ext>
-            </a:extLst>
-          </p:cNvPr>
-          <p:cNvSpPr txBox="1"/>
-          <p:nvPr/>
-        </p:nvSpPr>
-        <p:spPr>
-          <a:xfrm>
-            <a:off x="9745404" y="1162998"/>
-            <a:ext cx="2538633" cy="5755422"/>
-          </a:xfrm>
-          <a:prstGeom prst="rect">
-            <a:avLst/>
-          </a:prstGeom>
-          <a:noFill/>
-        </p:spPr>
-        <p:txBody>
-          <a:bodyPr wrap="square" rtlCol="0">
-            <a:spAutoFit/>
-          </a:bodyPr>
-          <a:lstStyle/>
-          <a:p>
-            <a:r>
-              <a:rPr kumimoji="1" lang="ja-JP" altLang="en-US" sz="800" u="sng" dirty="0"/>
-              <a:t>ガイドブック群</a:t>
-            </a:r>
-            <a:endParaRPr kumimoji="1" lang="en-US" altLang="ja-JP" sz="800" u="sng" dirty="0"/>
-          </a:p>
-          <a:p>
-            <a:endParaRPr kumimoji="1" lang="en-US" altLang="ja-JP" sz="800" dirty="0"/>
-          </a:p>
-          <a:p>
-            <a:r>
-              <a:rPr kumimoji="1" lang="ja-JP" altLang="en-US" sz="800" dirty="0"/>
-              <a:t>政府相互運用性フレームワーク　全体編</a:t>
-            </a:r>
-          </a:p>
-          <a:p>
-            <a:endParaRPr kumimoji="1" lang="ja-JP" altLang="en-US" sz="800" dirty="0"/>
-          </a:p>
-          <a:p>
-            <a:r>
-              <a:rPr kumimoji="1" lang="ja-JP" altLang="en-US" sz="800" dirty="0"/>
-              <a:t>コア語彙（共通語彙基盤）</a:t>
-            </a:r>
-          </a:p>
-          <a:p>
-            <a:endParaRPr kumimoji="1" lang="en-US" altLang="ja-JP" sz="800" dirty="0"/>
-          </a:p>
-          <a:p>
-            <a:r>
-              <a:rPr kumimoji="1" lang="ja-JP" altLang="en-US" sz="800" dirty="0"/>
-              <a:t>コアデータモデル　全体概要</a:t>
-            </a:r>
-          </a:p>
-          <a:p>
-            <a:r>
-              <a:rPr kumimoji="1" lang="ja-JP" altLang="en-US" sz="800" dirty="0"/>
-              <a:t>コアデータモデル解説書　個人</a:t>
-            </a:r>
-          </a:p>
-          <a:p>
-            <a:r>
-              <a:rPr kumimoji="1" lang="ja-JP" altLang="en-US" sz="800" dirty="0"/>
-              <a:t>コアデータモデル解説書　連絡先</a:t>
-            </a:r>
-          </a:p>
-          <a:p>
-            <a:r>
-              <a:rPr kumimoji="1" lang="ja-JP" altLang="en-US" sz="800" dirty="0"/>
-              <a:t>コアデータモデル解説書　住所</a:t>
-            </a:r>
-          </a:p>
-          <a:p>
-            <a:r>
-              <a:rPr kumimoji="1" lang="ja-JP" altLang="en-US" sz="800" dirty="0"/>
-              <a:t>コアデータモデル解説書　法人</a:t>
-            </a:r>
-          </a:p>
-          <a:p>
-            <a:r>
-              <a:rPr kumimoji="1" lang="ja-JP" altLang="en-US" sz="800" dirty="0"/>
-              <a:t>コアデータモデル解説書　施設</a:t>
-            </a:r>
-          </a:p>
-          <a:p>
-            <a:r>
-              <a:rPr kumimoji="1" lang="ja-JP" altLang="en-US" sz="800" dirty="0"/>
-              <a:t>コアデータモデル解説書　アクセシビリティ</a:t>
-            </a:r>
-          </a:p>
-          <a:p>
-            <a:r>
-              <a:rPr kumimoji="1" lang="ja-JP" altLang="en-US" sz="800" dirty="0"/>
-              <a:t>コアデータモデル解説書　子育て支援情報</a:t>
-            </a:r>
-          </a:p>
-          <a:p>
-            <a:endParaRPr kumimoji="1" lang="ja-JP" altLang="en-US" sz="800" dirty="0"/>
-          </a:p>
-          <a:p>
-            <a:r>
-              <a:rPr kumimoji="1" lang="ja-JP" altLang="en-US" sz="800" dirty="0"/>
-              <a:t>コアデータパーツ　日付及び時刻</a:t>
-            </a:r>
-          </a:p>
-          <a:p>
-            <a:r>
-              <a:rPr kumimoji="1" lang="ja-JP" altLang="en-US" sz="800" dirty="0"/>
-              <a:t>コアデータパーツ　住所（アドレス）</a:t>
-            </a:r>
-          </a:p>
-          <a:p>
-            <a:r>
-              <a:rPr kumimoji="1" lang="ja-JP" altLang="en-US" sz="800" dirty="0"/>
-              <a:t>コアデータパーツ　郵便番号</a:t>
-            </a:r>
-          </a:p>
-          <a:p>
-            <a:r>
-              <a:rPr kumimoji="1" lang="ja-JP" altLang="en-US" sz="800" dirty="0"/>
-              <a:t>コアデータパーツ　地理座標</a:t>
-            </a:r>
-          </a:p>
-          <a:p>
-            <a:r>
-              <a:rPr kumimoji="1" lang="ja-JP" altLang="en-US" sz="800" dirty="0"/>
-              <a:t>コアデータパーツ　電話番号</a:t>
-            </a:r>
-          </a:p>
-          <a:p>
-            <a:endParaRPr kumimoji="1" lang="ja-JP" altLang="en-US" sz="800" dirty="0"/>
-          </a:p>
-          <a:p>
-            <a:r>
-              <a:rPr kumimoji="1" lang="ja-JP" altLang="en-US" sz="800" dirty="0"/>
-              <a:t>実装データモデル（行政）　申請・届出</a:t>
-            </a:r>
-          </a:p>
-          <a:p>
-            <a:r>
-              <a:rPr kumimoji="1" lang="ja-JP" altLang="en-US" sz="800" dirty="0"/>
-              <a:t>実装データモデル（行政）　証明・通知</a:t>
-            </a:r>
-          </a:p>
-          <a:p>
-            <a:r>
-              <a:rPr kumimoji="1" lang="ja-JP" altLang="en-US" sz="800" dirty="0"/>
-              <a:t>実装データモデル（行政）　事例</a:t>
-            </a:r>
-          </a:p>
-          <a:p>
-            <a:r>
-              <a:rPr kumimoji="1" lang="ja-JP" altLang="en-US" sz="800" dirty="0"/>
-              <a:t>実装データモデル（行政）　行政サービス・制度</a:t>
-            </a:r>
-          </a:p>
-          <a:p>
-            <a:r>
-              <a:rPr kumimoji="1" lang="ja-JP" altLang="en-US" sz="800" dirty="0"/>
-              <a:t>実装データモデル（行政）　イベント</a:t>
-            </a:r>
-          </a:p>
-          <a:p>
-            <a:r>
-              <a:rPr kumimoji="1" lang="ja-JP" altLang="en-US" sz="800" dirty="0"/>
-              <a:t>実装データモデル（行政）　報告書</a:t>
-            </a:r>
-          </a:p>
-          <a:p>
-            <a:r>
-              <a:rPr kumimoji="1" lang="ja-JP" altLang="en-US" sz="800" dirty="0"/>
-              <a:t>実装データモデル（行政）　</a:t>
-            </a:r>
-            <a:endParaRPr lang="en-US" altLang="ja-JP" sz="800" dirty="0"/>
-          </a:p>
-          <a:p>
-            <a:r>
-              <a:rPr kumimoji="1" lang="ja-JP" altLang="en-US" sz="800" dirty="0"/>
-              <a:t>　　　　　　行政サービス拠点・支援機関等</a:t>
-            </a:r>
-          </a:p>
-          <a:p>
-            <a:r>
-              <a:rPr kumimoji="1" lang="ja-JP" altLang="en-US" sz="800" dirty="0"/>
-              <a:t>実装データモデル（行政）　調達</a:t>
-            </a:r>
-          </a:p>
-          <a:p>
-            <a:endParaRPr kumimoji="1" lang="ja-JP" altLang="en-US" sz="800" dirty="0"/>
-          </a:p>
-          <a:p>
-            <a:r>
-              <a:rPr kumimoji="1" lang="ja-JP" altLang="en-US" sz="800" dirty="0"/>
-              <a:t>文字環境導入実践ガイドブック</a:t>
-            </a:r>
-          </a:p>
-          <a:p>
-            <a:r>
-              <a:rPr kumimoji="1" lang="ja-JP" altLang="en-US" sz="800" dirty="0"/>
-              <a:t>マスターデータ等基本データ導入実践ガイドブック</a:t>
-            </a:r>
-          </a:p>
-          <a:p>
-            <a:r>
-              <a:rPr kumimoji="1" lang="ja-JP" altLang="en-US" sz="800" dirty="0"/>
-              <a:t>コード（分類体系）導入実践ガイドブック</a:t>
-            </a:r>
-          </a:p>
-          <a:p>
-            <a:r>
-              <a:rPr kumimoji="1" lang="en-US" altLang="ja-JP" sz="800" dirty="0"/>
-              <a:t>API</a:t>
-            </a:r>
-            <a:r>
-              <a:rPr kumimoji="1" lang="ja-JP" altLang="en-US" sz="800" dirty="0"/>
-              <a:t>導入実践ガイドブック</a:t>
-            </a:r>
-          </a:p>
-          <a:p>
-            <a:r>
-              <a:rPr kumimoji="1" lang="ja-JP" altLang="en-US" sz="800" dirty="0"/>
-              <a:t>データマネジメント実践ガイドブック</a:t>
-            </a:r>
-          </a:p>
-          <a:p>
-            <a:r>
-              <a:rPr kumimoji="1" lang="ja-JP" altLang="en-US" sz="800" dirty="0"/>
-              <a:t>データ人材管理実践ガイドブック</a:t>
-            </a:r>
-          </a:p>
-          <a:p>
-            <a:r>
-              <a:rPr kumimoji="1" lang="ja-JP" altLang="en-US" sz="800" dirty="0"/>
-              <a:t>データ環境整備のための</a:t>
-            </a:r>
-            <a:endParaRPr kumimoji="1" lang="en-US" altLang="ja-JP" sz="800" dirty="0"/>
-          </a:p>
-          <a:p>
-            <a:r>
-              <a:rPr kumimoji="1" lang="ja-JP" altLang="en-US" sz="800" dirty="0"/>
-              <a:t>　　　　　　アーキテクチャ管理実践ガイドブック</a:t>
-            </a:r>
-          </a:p>
-          <a:p>
-            <a:r>
-              <a:rPr kumimoji="1" lang="ja-JP" altLang="en-US" sz="800" dirty="0"/>
-              <a:t>データ品質管理ガイドブック</a:t>
-            </a:r>
-          </a:p>
-          <a:p>
-            <a:r>
-              <a:rPr kumimoji="1" lang="ja-JP" altLang="en-US" sz="800" dirty="0"/>
-              <a:t>メタデータ導入実践ガイドブック</a:t>
-            </a:r>
-          </a:p>
-          <a:p>
-            <a:endParaRPr kumimoji="1" lang="ja-JP" altLang="en-US" sz="800" dirty="0"/>
-          </a:p>
-          <a:p>
-            <a:r>
-              <a:rPr kumimoji="1" lang="ja-JP" altLang="en-US" sz="800" dirty="0"/>
-              <a:t>コード　サービスカタログ</a:t>
-            </a:r>
-          </a:p>
-          <a:p>
-            <a:r>
-              <a:rPr kumimoji="1" lang="ja-JP" altLang="en-US" sz="800" dirty="0"/>
-              <a:t>コード　コード一覧</a:t>
-            </a:r>
-          </a:p>
-          <a:p>
-            <a:r>
-              <a:rPr kumimoji="1" lang="ja-JP" altLang="en-US" sz="800" dirty="0"/>
-              <a:t>コード　</a:t>
-            </a:r>
-            <a:r>
-              <a:rPr kumimoji="1" lang="en-US" altLang="ja-JP" sz="800" dirty="0"/>
-              <a:t>POI</a:t>
-            </a:r>
-            <a:r>
-              <a:rPr kumimoji="1" lang="ja-JP" altLang="en-US" sz="800" dirty="0"/>
-              <a:t>コード</a:t>
-            </a:r>
-          </a:p>
-          <a:p>
-            <a:r>
-              <a:rPr kumimoji="1" lang="ja-JP" altLang="en-US" sz="800" dirty="0"/>
-              <a:t>ルール　</a:t>
-            </a:r>
-            <a:r>
-              <a:rPr kumimoji="1" lang="en-US" altLang="ja-JP" sz="800" dirty="0"/>
-              <a:t>GIF</a:t>
-            </a:r>
-            <a:r>
-              <a:rPr kumimoji="1" lang="ja-JP" altLang="en-US" sz="800" dirty="0"/>
-              <a:t>推進に有益なルール等</a:t>
+            <a:pPr algn="ctr"/>
+            <a:r>
+              <a:rPr kumimoji="1" lang="ja-JP" altLang="en-US" sz="1000" dirty="0"/>
+              <a:t>メタデータ</a:t>
+            </a:r>
+            <a:endParaRPr kumimoji="1" lang="en-US" altLang="ja-JP" sz="1000" dirty="0"/>
+          </a:p>
+          <a:p>
+            <a:pPr algn="ctr"/>
+            <a:r>
+              <a:rPr kumimoji="1" lang="ja-JP" altLang="en-US" sz="1000" dirty="0"/>
+              <a:t>（検索情報）</a:t>
             </a:r>
           </a:p>
         </p:txBody>
@@ -23879,259 +24051,6 @@
       </p:sp>
       <p:sp>
         <p:nvSpPr>
-          <p:cNvPr id="133" name="正方形/長方形 132">
-            <a:extLst>
-              <a:ext uri="{FF2B5EF4-FFF2-40B4-BE49-F238E27FC236}">
-                <a16:creationId xmlns:a16="http://schemas.microsoft.com/office/drawing/2014/main" id="{C72E2D6C-7E54-4761-8D5A-229D5191F3E6}"/>
-              </a:ext>
-            </a:extLst>
-          </p:cNvPr>
-          <p:cNvSpPr/>
-          <p:nvPr/>
-        </p:nvSpPr>
-        <p:spPr>
-          <a:xfrm>
-            <a:off x="3589645" y="4727444"/>
-            <a:ext cx="911062" cy="307777"/>
-          </a:xfrm>
-          <a:prstGeom prst="rect">
-            <a:avLst/>
-          </a:prstGeom>
-        </p:spPr>
-        <p:style>
-          <a:lnRef idx="2">
-            <a:schemeClr val="dk1"/>
-          </a:lnRef>
-          <a:fillRef idx="1">
-            <a:schemeClr val="lt1"/>
-          </a:fillRef>
-          <a:effectRef idx="0">
-            <a:schemeClr val="dk1"/>
-          </a:effectRef>
-          <a:fontRef idx="minor">
-            <a:schemeClr val="dk1"/>
-          </a:fontRef>
-        </p:style>
-        <p:txBody>
-          <a:bodyPr lIns="36000" rIns="36000" rtlCol="0" anchor="ctr"/>
-          <a:lstStyle/>
-          <a:p>
-            <a:pPr algn="ctr"/>
-            <a:r>
-              <a:rPr kumimoji="1" lang="ja-JP" altLang="en-US" sz="1000" dirty="0"/>
-              <a:t>人</a:t>
-            </a:r>
-          </a:p>
-        </p:txBody>
-      </p:sp>
-      <p:sp>
-        <p:nvSpPr>
-          <p:cNvPr id="134" name="正方形/長方形 133">
-            <a:extLst>
-              <a:ext uri="{FF2B5EF4-FFF2-40B4-BE49-F238E27FC236}">
-                <a16:creationId xmlns:a16="http://schemas.microsoft.com/office/drawing/2014/main" id="{C605E2B4-0587-48FE-A848-A124A5DD9371}"/>
-              </a:ext>
-            </a:extLst>
-          </p:cNvPr>
-          <p:cNvSpPr/>
-          <p:nvPr/>
-        </p:nvSpPr>
-        <p:spPr>
-          <a:xfrm>
-            <a:off x="4546402" y="4727444"/>
-            <a:ext cx="911062" cy="307777"/>
-          </a:xfrm>
-          <a:prstGeom prst="rect">
-            <a:avLst/>
-          </a:prstGeom>
-          <a:ln>
-            <a:solidFill>
-              <a:srgbClr val="FF0000"/>
-            </a:solidFill>
-          </a:ln>
-        </p:spPr>
-        <p:style>
-          <a:lnRef idx="2">
-            <a:schemeClr val="dk1"/>
-          </a:lnRef>
-          <a:fillRef idx="1">
-            <a:schemeClr val="lt1"/>
-          </a:fillRef>
-          <a:effectRef idx="0">
-            <a:schemeClr val="dk1"/>
-          </a:effectRef>
-          <a:fontRef idx="minor">
-            <a:schemeClr val="dk1"/>
-          </a:fontRef>
-        </p:style>
-        <p:txBody>
-          <a:bodyPr lIns="36000" rIns="36000" rtlCol="0" anchor="ctr"/>
-          <a:lstStyle/>
-          <a:p>
-            <a:pPr algn="ctr"/>
-            <a:r>
-              <a:rPr kumimoji="1" lang="ja-JP" altLang="en-US" sz="1000" dirty="0"/>
-              <a:t>法人</a:t>
-            </a:r>
-          </a:p>
-        </p:txBody>
-      </p:sp>
-      <p:sp>
-        <p:nvSpPr>
-          <p:cNvPr id="135" name="正方形/長方形 134">
-            <a:extLst>
-              <a:ext uri="{FF2B5EF4-FFF2-40B4-BE49-F238E27FC236}">
-                <a16:creationId xmlns:a16="http://schemas.microsoft.com/office/drawing/2014/main" id="{55B180FF-359E-4DF0-BAAB-6F6A82FF582C}"/>
-              </a:ext>
-            </a:extLst>
-          </p:cNvPr>
-          <p:cNvSpPr/>
-          <p:nvPr/>
-        </p:nvSpPr>
-        <p:spPr>
-          <a:xfrm>
-            <a:off x="5509249" y="4727444"/>
-            <a:ext cx="911062" cy="307777"/>
-          </a:xfrm>
-          <a:prstGeom prst="rect">
-            <a:avLst/>
-          </a:prstGeom>
-          <a:ln>
-            <a:solidFill>
-              <a:srgbClr val="FF0000"/>
-            </a:solidFill>
-          </a:ln>
-        </p:spPr>
-        <p:style>
-          <a:lnRef idx="2">
-            <a:schemeClr val="dk1"/>
-          </a:lnRef>
-          <a:fillRef idx="1">
-            <a:schemeClr val="lt1"/>
-          </a:fillRef>
-          <a:effectRef idx="0">
-            <a:schemeClr val="dk1"/>
-          </a:effectRef>
-          <a:fontRef idx="minor">
-            <a:schemeClr val="dk1"/>
-          </a:fontRef>
-        </p:style>
-        <p:txBody>
-          <a:bodyPr lIns="36000" rIns="36000" rtlCol="0" anchor="ctr"/>
-          <a:lstStyle/>
-          <a:p>
-            <a:pPr algn="ctr"/>
-            <a:r>
-              <a:rPr kumimoji="1" lang="ja-JP" altLang="en-US" sz="1000" dirty="0"/>
-              <a:t>施設</a:t>
-            </a:r>
-          </a:p>
-        </p:txBody>
-      </p:sp>
-      <p:sp>
-        <p:nvSpPr>
-          <p:cNvPr id="136" name="正方形/長方形 135">
-            <a:extLst>
-              <a:ext uri="{FF2B5EF4-FFF2-40B4-BE49-F238E27FC236}">
-                <a16:creationId xmlns:a16="http://schemas.microsoft.com/office/drawing/2014/main" id="{9D5EB524-3172-4E81-95B5-84F48D654ABC}"/>
-              </a:ext>
-            </a:extLst>
-          </p:cNvPr>
-          <p:cNvSpPr/>
-          <p:nvPr/>
-        </p:nvSpPr>
-        <p:spPr>
-          <a:xfrm>
-            <a:off x="6472097" y="4727444"/>
-            <a:ext cx="911062" cy="307777"/>
-          </a:xfrm>
-          <a:prstGeom prst="rect">
-            <a:avLst/>
-          </a:prstGeom>
-        </p:spPr>
-        <p:style>
-          <a:lnRef idx="2">
-            <a:schemeClr val="dk1"/>
-          </a:lnRef>
-          <a:fillRef idx="1">
-            <a:schemeClr val="lt1"/>
-          </a:fillRef>
-          <a:effectRef idx="0">
-            <a:schemeClr val="dk1"/>
-          </a:effectRef>
-          <a:fontRef idx="minor">
-            <a:schemeClr val="dk1"/>
-          </a:fontRef>
-        </p:style>
-        <p:txBody>
-          <a:bodyPr lIns="36000" rIns="36000" rtlCol="0" anchor="ctr"/>
-          <a:lstStyle/>
-          <a:p>
-            <a:pPr algn="ctr"/>
-            <a:r>
-              <a:rPr kumimoji="1" lang="ja-JP" altLang="en-US" sz="1000" dirty="0"/>
-              <a:t>イベント</a:t>
-            </a:r>
-          </a:p>
-        </p:txBody>
-      </p:sp>
-      <p:sp>
-        <p:nvSpPr>
-          <p:cNvPr id="137" name="正方形/長方形 136">
-            <a:extLst>
-              <a:ext uri="{FF2B5EF4-FFF2-40B4-BE49-F238E27FC236}">
-                <a16:creationId xmlns:a16="http://schemas.microsoft.com/office/drawing/2014/main" id="{6A327FC9-5865-4357-A38D-836D2C5730B8}"/>
-              </a:ext>
-            </a:extLst>
-          </p:cNvPr>
-          <p:cNvSpPr/>
-          <p:nvPr/>
-        </p:nvSpPr>
-        <p:spPr>
-          <a:xfrm>
-            <a:off x="8675202" y="4727444"/>
-            <a:ext cx="911062" cy="307777"/>
-          </a:xfrm>
-          <a:prstGeom prst="rect">
-            <a:avLst/>
-          </a:prstGeom>
-        </p:spPr>
-        <p:style>
-          <a:lnRef idx="2">
-            <a:schemeClr val="dk1"/>
-          </a:lnRef>
-          <a:fillRef idx="1">
-            <a:schemeClr val="lt1"/>
-          </a:fillRef>
-          <a:effectRef idx="0">
-            <a:schemeClr val="dk1"/>
-          </a:effectRef>
-          <a:fontRef idx="minor">
-            <a:schemeClr val="dk1"/>
-          </a:fontRef>
-        </p:style>
-        <p:txBody>
-          <a:bodyPr lIns="36000" tIns="72000" rIns="36000" rtlCol="0" anchor="ctr"/>
-          <a:lstStyle/>
-          <a:p>
-            <a:pPr algn="ctr"/>
-            <a:r>
-              <a:rPr kumimoji="1" lang="ja-JP" altLang="en-US" sz="1000" dirty="0"/>
-              <a:t>メタデータ</a:t>
-            </a:r>
-            <a:endParaRPr kumimoji="1" lang="en-US" altLang="ja-JP" sz="1000" dirty="0"/>
-          </a:p>
-          <a:p>
-            <a:pPr algn="ctr"/>
-            <a:r>
-              <a:rPr kumimoji="1" lang="ja-JP" altLang="en-US" sz="1000" dirty="0"/>
-              <a:t>（検索情報）</a:t>
-            </a:r>
-          </a:p>
-        </p:txBody>
-      </p:sp>
-      <p:sp>
-        <p:nvSpPr>
           <p:cNvPr id="122" name="四角形: 角を丸くする 121">
             <a:extLst>
               <a:ext uri="{FF2B5EF4-FFF2-40B4-BE49-F238E27FC236}">
@@ -26721,10 +26640,71 @@
       </p:sp>
       <p:sp>
         <p:nvSpPr>
-          <p:cNvPr id="3" name="矢印: 上 2">
-            <a:extLst>
-              <a:ext uri="{FF2B5EF4-FFF2-40B4-BE49-F238E27FC236}">
-                <a16:creationId xmlns:a16="http://schemas.microsoft.com/office/drawing/2014/main" id="{DA4ABB33-C432-4A54-A285-03EEC6074907}"/>
+          <p:cNvPr id="5" name="コンテンツ プレースホルダー 4">
+            <a:extLst>
+              <a:ext uri="{FF2B5EF4-FFF2-40B4-BE49-F238E27FC236}">
+                <a16:creationId xmlns:a16="http://schemas.microsoft.com/office/drawing/2014/main" id="{CAFEA5AC-2FFD-4AE4-87EA-222A1EBB880C}"/>
+              </a:ext>
+            </a:extLst>
+          </p:cNvPr>
+          <p:cNvSpPr>
+            <a:spLocks noGrp="1"/>
+          </p:cNvSpPr>
+          <p:nvPr>
+            <p:ph idx="1"/>
+          </p:nvPr>
+        </p:nvSpPr>
+        <p:spPr>
+          <a:xfrm>
+            <a:off x="0" y="1258697"/>
+            <a:ext cx="12192000" cy="702153"/>
+          </a:xfrm>
+        </p:spPr>
+        <p:txBody>
+          <a:bodyPr/>
+          <a:lstStyle/>
+          <a:p>
+            <a:r>
+              <a:rPr lang="ja-JP" altLang="en-US" sz="2400" dirty="0"/>
+              <a:t>分野横断での施設のモデルを作ってから、教育や防災分野に展開。</a:t>
+            </a:r>
+          </a:p>
+        </p:txBody>
+      </p:sp>
+      <p:sp>
+        <p:nvSpPr>
+          <p:cNvPr id="2" name="タイトル 1">
+            <a:extLst>
+              <a:ext uri="{FF2B5EF4-FFF2-40B4-BE49-F238E27FC236}">
+                <a16:creationId xmlns:a16="http://schemas.microsoft.com/office/drawing/2014/main" id="{A5703782-897F-4F90-95DE-88D8A4072BF8}"/>
+              </a:ext>
+            </a:extLst>
+          </p:cNvPr>
+          <p:cNvSpPr>
+            <a:spLocks noGrp="1"/>
+          </p:cNvSpPr>
+          <p:nvPr>
+            <p:ph type="title"/>
+          </p:nvPr>
+        </p:nvSpPr>
+        <p:spPr/>
+        <p:txBody>
+          <a:bodyPr/>
+          <a:lstStyle/>
+          <a:p>
+            <a:r>
+              <a:rPr lang="ja-JP" altLang="en-US" dirty="0"/>
+              <a:t>データ整備の例</a:t>
+            </a:r>
+          </a:p>
+        </p:txBody>
+      </p:sp>
+      <p:sp>
+        <p:nvSpPr>
+          <p:cNvPr id="75" name="矢印: 上 74">
+            <a:extLst>
+              <a:ext uri="{FF2B5EF4-FFF2-40B4-BE49-F238E27FC236}">
+                <a16:creationId xmlns:a16="http://schemas.microsoft.com/office/drawing/2014/main" id="{CAE787DD-E716-408B-A584-51911114B20F}"/>
               </a:ext>
             </a:extLst>
           </p:cNvPr>
@@ -26732,9 +26712,9 @@
           <p:nvPr/>
         </p:nvSpPr>
         <p:spPr>
-          <a:xfrm rot="20602078">
-            <a:off x="4595764" y="4817252"/>
-            <a:ext cx="1375485" cy="2252306"/>
+          <a:xfrm rot="2366914">
+            <a:off x="6367595" y="1949939"/>
+            <a:ext cx="865514" cy="2827286"/>
           </a:xfrm>
           <a:prstGeom prst="upArrow">
             <a:avLst/>
@@ -26775,71 +26755,10 @@
       </p:sp>
       <p:sp>
         <p:nvSpPr>
-          <p:cNvPr id="5" name="コンテンツ プレースホルダー 4">
-            <a:extLst>
-              <a:ext uri="{FF2B5EF4-FFF2-40B4-BE49-F238E27FC236}">
-                <a16:creationId xmlns:a16="http://schemas.microsoft.com/office/drawing/2014/main" id="{CAFEA5AC-2FFD-4AE4-87EA-222A1EBB880C}"/>
-              </a:ext>
-            </a:extLst>
-          </p:cNvPr>
-          <p:cNvSpPr>
-            <a:spLocks noGrp="1"/>
-          </p:cNvSpPr>
-          <p:nvPr>
-            <p:ph idx="1"/>
-          </p:nvPr>
-        </p:nvSpPr>
-        <p:spPr>
-          <a:xfrm>
-            <a:off x="0" y="1258697"/>
-            <a:ext cx="12192000" cy="702153"/>
-          </a:xfrm>
-        </p:spPr>
-        <p:txBody>
-          <a:bodyPr/>
-          <a:lstStyle/>
-          <a:p>
-            <a:r>
-              <a:rPr lang="ja-JP" altLang="en-US" sz="2400" dirty="0"/>
-              <a:t>分野横断での施設のモデルを作ってから、教育や防災分野に展開。</a:t>
-            </a:r>
-          </a:p>
-        </p:txBody>
-      </p:sp>
-      <p:sp>
-        <p:nvSpPr>
-          <p:cNvPr id="2" name="タイトル 1">
-            <a:extLst>
-              <a:ext uri="{FF2B5EF4-FFF2-40B4-BE49-F238E27FC236}">
-                <a16:creationId xmlns:a16="http://schemas.microsoft.com/office/drawing/2014/main" id="{A5703782-897F-4F90-95DE-88D8A4072BF8}"/>
-              </a:ext>
-            </a:extLst>
-          </p:cNvPr>
-          <p:cNvSpPr>
-            <a:spLocks noGrp="1"/>
-          </p:cNvSpPr>
-          <p:nvPr>
-            <p:ph type="title"/>
-          </p:nvPr>
-        </p:nvSpPr>
-        <p:spPr/>
-        <p:txBody>
-          <a:bodyPr/>
-          <a:lstStyle/>
-          <a:p>
-            <a:r>
-              <a:rPr lang="ja-JP" altLang="en-US" dirty="0"/>
-              <a:t>データ整備の例</a:t>
-            </a:r>
-          </a:p>
-        </p:txBody>
-      </p:sp>
-      <p:sp>
-        <p:nvSpPr>
-          <p:cNvPr id="75" name="矢印: 上 74">
-            <a:extLst>
-              <a:ext uri="{FF2B5EF4-FFF2-40B4-BE49-F238E27FC236}">
-                <a16:creationId xmlns:a16="http://schemas.microsoft.com/office/drawing/2014/main" id="{CAE787DD-E716-408B-A584-51911114B20F}"/>
+          <p:cNvPr id="120" name="矢印: 上 119">
+            <a:extLst>
+              <a:ext uri="{FF2B5EF4-FFF2-40B4-BE49-F238E27FC236}">
+                <a16:creationId xmlns:a16="http://schemas.microsoft.com/office/drawing/2014/main" id="{B2ACCBC9-51CD-4B66-9291-C800298E81E6}"/>
               </a:ext>
             </a:extLst>
           </p:cNvPr>
@@ -26847,8 +26766,8 @@
           <p:nvPr/>
         </p:nvSpPr>
         <p:spPr>
-          <a:xfrm rot="2366914">
-            <a:off x="6367595" y="1949939"/>
+          <a:xfrm rot="3418059">
+            <a:off x="7209425" y="2564948"/>
             <a:ext cx="865514" cy="2827286"/>
           </a:xfrm>
           <a:prstGeom prst="upArrow">
@@ -26890,10 +26809,10 @@
       </p:sp>
       <p:sp>
         <p:nvSpPr>
-          <p:cNvPr id="120" name="矢印: 上 119">
-            <a:extLst>
-              <a:ext uri="{FF2B5EF4-FFF2-40B4-BE49-F238E27FC236}">
-                <a16:creationId xmlns:a16="http://schemas.microsoft.com/office/drawing/2014/main" id="{B2ACCBC9-51CD-4B66-9291-C800298E81E6}"/>
+          <p:cNvPr id="121" name="矢印: 上 120">
+            <a:extLst>
+              <a:ext uri="{FF2B5EF4-FFF2-40B4-BE49-F238E27FC236}">
+                <a16:creationId xmlns:a16="http://schemas.microsoft.com/office/drawing/2014/main" id="{909B5B4B-A4B6-4603-92FB-62D29C1583A0}"/>
               </a:ext>
             </a:extLst>
           </p:cNvPr>
@@ -26901,9 +26820,9 @@
           <p:nvPr/>
         </p:nvSpPr>
         <p:spPr>
-          <a:xfrm rot="3418059">
-            <a:off x="7209425" y="2564948"/>
-            <a:ext cx="865514" cy="2827286"/>
+          <a:xfrm rot="20732258">
+            <a:off x="4132434" y="2190629"/>
+            <a:ext cx="865514" cy="2318705"/>
           </a:xfrm>
           <a:prstGeom prst="upArrow">
             <a:avLst/>
@@ -26944,10 +26863,352 @@
       </p:sp>
       <p:sp>
         <p:nvSpPr>
-          <p:cNvPr id="8" name="四角形: メモ 7">
-            <a:extLst>
-              <a:ext uri="{FF2B5EF4-FFF2-40B4-BE49-F238E27FC236}">
-                <a16:creationId xmlns:a16="http://schemas.microsoft.com/office/drawing/2014/main" id="{97B8799E-B6D0-4CB6-A055-E0B8D56D4875}"/>
+          <p:cNvPr id="6" name="スライド番号プレースホルダー 5">
+            <a:extLst>
+              <a:ext uri="{FF2B5EF4-FFF2-40B4-BE49-F238E27FC236}">
+                <a16:creationId xmlns:a16="http://schemas.microsoft.com/office/drawing/2014/main" id="{12301520-4241-4F4F-AE5E-214BB0066C67}"/>
+              </a:ext>
+            </a:extLst>
+          </p:cNvPr>
+          <p:cNvSpPr>
+            <a:spLocks noGrp="1"/>
+          </p:cNvSpPr>
+          <p:nvPr>
+            <p:ph type="sldNum" sz="quarter" idx="4"/>
+          </p:nvPr>
+        </p:nvSpPr>
+        <p:spPr>
+          <a:xfrm>
+            <a:off x="9448800" y="6441493"/>
+            <a:ext cx="2743200" cy="365125"/>
+          </a:xfrm>
+        </p:spPr>
+        <p:txBody>
+          <a:bodyPr/>
+          <a:lstStyle/>
+          <a:p>
+            <a:fld id="{DFD4F317-19D0-4848-B5EB-5B174DBE8CF9}" type="slidenum">
+              <a:rPr lang="ja-JP" altLang="en-US" smtClean="0"/>
+              <a:pPr/>
+              <a:t>13</a:t>
+            </a:fld>
+            <a:endParaRPr lang="ja-JP" altLang="en-US" dirty="0"/>
+          </a:p>
+        </p:txBody>
+      </p:sp>
+      <p:sp>
+        <p:nvSpPr>
+          <p:cNvPr id="117" name="テキスト ボックス 116">
+            <a:extLst>
+              <a:ext uri="{FF2B5EF4-FFF2-40B4-BE49-F238E27FC236}">
+                <a16:creationId xmlns:a16="http://schemas.microsoft.com/office/drawing/2014/main" id="{E1BC7481-A6D7-46F4-9B9A-9880001C8592}"/>
+              </a:ext>
+            </a:extLst>
+          </p:cNvPr>
+          <p:cNvSpPr txBox="1"/>
+          <p:nvPr/>
+        </p:nvSpPr>
+        <p:spPr>
+          <a:xfrm>
+            <a:off x="9745404" y="1162998"/>
+            <a:ext cx="2538633" cy="5755422"/>
+          </a:xfrm>
+          <a:prstGeom prst="rect">
+            <a:avLst/>
+          </a:prstGeom>
+          <a:noFill/>
+        </p:spPr>
+        <p:txBody>
+          <a:bodyPr wrap="square" rtlCol="0">
+            <a:spAutoFit/>
+          </a:bodyPr>
+          <a:lstStyle/>
+          <a:p>
+            <a:r>
+              <a:rPr kumimoji="1" lang="ja-JP" altLang="en-US" sz="800" u="sng" dirty="0"/>
+              <a:t>ガイドブック群</a:t>
+            </a:r>
+            <a:endParaRPr kumimoji="1" lang="en-US" altLang="ja-JP" sz="800" u="sng" dirty="0"/>
+          </a:p>
+          <a:p>
+            <a:endParaRPr kumimoji="1" lang="en-US" altLang="ja-JP" sz="800" dirty="0"/>
+          </a:p>
+          <a:p>
+            <a:r>
+              <a:rPr kumimoji="1" lang="ja-JP" altLang="en-US" sz="800" dirty="0"/>
+              <a:t>政府相互運用性フレームワーク　全体編</a:t>
+            </a:r>
+          </a:p>
+          <a:p>
+            <a:endParaRPr kumimoji="1" lang="ja-JP" altLang="en-US" sz="800" dirty="0"/>
+          </a:p>
+          <a:p>
+            <a:r>
+              <a:rPr kumimoji="1" lang="ja-JP" altLang="en-US" sz="800" dirty="0"/>
+              <a:t>コア語彙（共通語彙基盤）</a:t>
+            </a:r>
+          </a:p>
+          <a:p>
+            <a:endParaRPr kumimoji="1" lang="en-US" altLang="ja-JP" sz="800" dirty="0"/>
+          </a:p>
+          <a:p>
+            <a:r>
+              <a:rPr kumimoji="1" lang="ja-JP" altLang="en-US" sz="800" dirty="0"/>
+              <a:t>コアデータモデル　全体概要</a:t>
+            </a:r>
+          </a:p>
+          <a:p>
+            <a:r>
+              <a:rPr kumimoji="1" lang="ja-JP" altLang="en-US" sz="800" dirty="0"/>
+              <a:t>コアデータモデル解説書　個人</a:t>
+            </a:r>
+          </a:p>
+          <a:p>
+            <a:r>
+              <a:rPr kumimoji="1" lang="ja-JP" altLang="en-US" sz="800" dirty="0"/>
+              <a:t>コアデータモデル解説書　連絡先</a:t>
+            </a:r>
+          </a:p>
+          <a:p>
+            <a:r>
+              <a:rPr kumimoji="1" lang="ja-JP" altLang="en-US" sz="800" dirty="0"/>
+              <a:t>コアデータモデル解説書　住所</a:t>
+            </a:r>
+          </a:p>
+          <a:p>
+            <a:r>
+              <a:rPr kumimoji="1" lang="ja-JP" altLang="en-US" sz="800" dirty="0"/>
+              <a:t>コアデータモデル解説書　法人</a:t>
+            </a:r>
+          </a:p>
+          <a:p>
+            <a:r>
+              <a:rPr kumimoji="1" lang="ja-JP" altLang="en-US" sz="800" dirty="0"/>
+              <a:t>コアデータモデル解説書　施設</a:t>
+            </a:r>
+          </a:p>
+          <a:p>
+            <a:r>
+              <a:rPr kumimoji="1" lang="ja-JP" altLang="en-US" sz="800" dirty="0"/>
+              <a:t>コアデータモデル解説書　アクセシビリティ</a:t>
+            </a:r>
+          </a:p>
+          <a:p>
+            <a:r>
+              <a:rPr kumimoji="1" lang="ja-JP" altLang="en-US" sz="800" dirty="0"/>
+              <a:t>コアデータモデル解説書　子育て支援情報</a:t>
+            </a:r>
+          </a:p>
+          <a:p>
+            <a:endParaRPr kumimoji="1" lang="ja-JP" altLang="en-US" sz="800" dirty="0"/>
+          </a:p>
+          <a:p>
+            <a:r>
+              <a:rPr kumimoji="1" lang="ja-JP" altLang="en-US" sz="800" dirty="0"/>
+              <a:t>コアデータパーツ　日付及び時刻</a:t>
+            </a:r>
+          </a:p>
+          <a:p>
+            <a:r>
+              <a:rPr kumimoji="1" lang="ja-JP" altLang="en-US" sz="800" dirty="0"/>
+              <a:t>コアデータパーツ　住所（アドレス）</a:t>
+            </a:r>
+          </a:p>
+          <a:p>
+            <a:r>
+              <a:rPr kumimoji="1" lang="ja-JP" altLang="en-US" sz="800" dirty="0"/>
+              <a:t>コアデータパーツ　郵便番号</a:t>
+            </a:r>
+          </a:p>
+          <a:p>
+            <a:r>
+              <a:rPr kumimoji="1" lang="ja-JP" altLang="en-US" sz="800" dirty="0"/>
+              <a:t>コアデータパーツ　地理座標</a:t>
+            </a:r>
+          </a:p>
+          <a:p>
+            <a:r>
+              <a:rPr kumimoji="1" lang="ja-JP" altLang="en-US" sz="800" dirty="0"/>
+              <a:t>コアデータパーツ　電話番号</a:t>
+            </a:r>
+          </a:p>
+          <a:p>
+            <a:endParaRPr kumimoji="1" lang="ja-JP" altLang="en-US" sz="800" dirty="0"/>
+          </a:p>
+          <a:p>
+            <a:r>
+              <a:rPr kumimoji="1" lang="ja-JP" altLang="en-US" sz="800" dirty="0"/>
+              <a:t>実装データモデル（行政）　申請・届出</a:t>
+            </a:r>
+          </a:p>
+          <a:p>
+            <a:r>
+              <a:rPr kumimoji="1" lang="ja-JP" altLang="en-US" sz="800" dirty="0"/>
+              <a:t>実装データモデル（行政）　証明・通知</a:t>
+            </a:r>
+          </a:p>
+          <a:p>
+            <a:r>
+              <a:rPr kumimoji="1" lang="ja-JP" altLang="en-US" sz="800" dirty="0"/>
+              <a:t>実装データモデル（行政）　事例</a:t>
+            </a:r>
+          </a:p>
+          <a:p>
+            <a:r>
+              <a:rPr kumimoji="1" lang="ja-JP" altLang="en-US" sz="800" dirty="0"/>
+              <a:t>実装データモデル（行政）　行政サービス・制度</a:t>
+            </a:r>
+          </a:p>
+          <a:p>
+            <a:r>
+              <a:rPr kumimoji="1" lang="ja-JP" altLang="en-US" sz="800" dirty="0"/>
+              <a:t>実装データモデル（行政）　イベント</a:t>
+            </a:r>
+          </a:p>
+          <a:p>
+            <a:r>
+              <a:rPr kumimoji="1" lang="ja-JP" altLang="en-US" sz="800" dirty="0"/>
+              <a:t>実装データモデル（行政）　報告書</a:t>
+            </a:r>
+          </a:p>
+          <a:p>
+            <a:r>
+              <a:rPr kumimoji="1" lang="ja-JP" altLang="en-US" sz="800" dirty="0"/>
+              <a:t>実装データモデル（行政）　</a:t>
+            </a:r>
+            <a:endParaRPr kumimoji="1" lang="en-US" altLang="ja-JP" sz="800" dirty="0"/>
+          </a:p>
+          <a:p>
+            <a:r>
+              <a:rPr kumimoji="1" lang="ja-JP" altLang="en-US" sz="800" dirty="0"/>
+              <a:t>　　　　　　　　行政サービス拠点・支援機関等</a:t>
+            </a:r>
+          </a:p>
+          <a:p>
+            <a:r>
+              <a:rPr kumimoji="1" lang="ja-JP" altLang="en-US" sz="800" dirty="0"/>
+              <a:t>実装データモデル（行政）　調達</a:t>
+            </a:r>
+          </a:p>
+          <a:p>
+            <a:endParaRPr kumimoji="1" lang="ja-JP" altLang="en-US" sz="800" dirty="0"/>
+          </a:p>
+          <a:p>
+            <a:r>
+              <a:rPr kumimoji="1" lang="ja-JP" altLang="en-US" sz="800" dirty="0"/>
+              <a:t>文字環境導入実践ガイドブック</a:t>
+            </a:r>
+          </a:p>
+          <a:p>
+            <a:r>
+              <a:rPr kumimoji="1" lang="ja-JP" altLang="en-US" sz="800" dirty="0"/>
+              <a:t>マスターデータ等基本データ導入実践ガイドブック</a:t>
+            </a:r>
+          </a:p>
+          <a:p>
+            <a:r>
+              <a:rPr kumimoji="1" lang="ja-JP" altLang="en-US" sz="800" dirty="0"/>
+              <a:t>コード（分類体系）導入実践ガイドブック</a:t>
+            </a:r>
+          </a:p>
+          <a:p>
+            <a:r>
+              <a:rPr kumimoji="1" lang="en-US" altLang="ja-JP" sz="800" dirty="0"/>
+              <a:t>API</a:t>
+            </a:r>
+            <a:r>
+              <a:rPr kumimoji="1" lang="ja-JP" altLang="en-US" sz="800" dirty="0"/>
+              <a:t>導入実践ガイドブック</a:t>
+            </a:r>
+          </a:p>
+          <a:p>
+            <a:r>
+              <a:rPr kumimoji="1" lang="ja-JP" altLang="en-US" sz="800" dirty="0"/>
+              <a:t>データマネジメント実践ガイドブック</a:t>
+            </a:r>
+          </a:p>
+          <a:p>
+            <a:r>
+              <a:rPr kumimoji="1" lang="ja-JP" altLang="en-US" sz="800" dirty="0"/>
+              <a:t>データ人材管理実践ガイドブック</a:t>
+            </a:r>
+          </a:p>
+          <a:p>
+            <a:r>
+              <a:rPr kumimoji="1" lang="ja-JP" altLang="en-US" sz="800" dirty="0"/>
+              <a:t>データ環境整備のための</a:t>
+            </a:r>
+            <a:endParaRPr kumimoji="1" lang="en-US" altLang="ja-JP" sz="800" dirty="0"/>
+          </a:p>
+          <a:p>
+            <a:r>
+              <a:rPr kumimoji="1" lang="ja-JP" altLang="en-US" sz="800" dirty="0"/>
+              <a:t>　　　　　　アーキテクチャ管理実践ガイドブック</a:t>
+            </a:r>
+          </a:p>
+          <a:p>
+            <a:r>
+              <a:rPr kumimoji="1" lang="ja-JP" altLang="en-US" sz="800" dirty="0"/>
+              <a:t>データ品質管理ガイドブック</a:t>
+            </a:r>
+          </a:p>
+          <a:p>
+            <a:r>
+              <a:rPr kumimoji="1" lang="ja-JP" altLang="en-US" sz="800" dirty="0"/>
+              <a:t>メタデータ導入実践ガイドブック</a:t>
+            </a:r>
+          </a:p>
+          <a:p>
+            <a:endParaRPr kumimoji="1" lang="ja-JP" altLang="en-US" sz="800" dirty="0"/>
+          </a:p>
+          <a:p>
+            <a:r>
+              <a:rPr kumimoji="1" lang="ja-JP" altLang="en-US" sz="800" dirty="0"/>
+              <a:t>コード　サービスカタログ</a:t>
+            </a:r>
+          </a:p>
+          <a:p>
+            <a:r>
+              <a:rPr kumimoji="1" lang="ja-JP" altLang="en-US" sz="800" dirty="0"/>
+              <a:t>コード　コード一覧</a:t>
+            </a:r>
+          </a:p>
+          <a:p>
+            <a:r>
+              <a:rPr kumimoji="1" lang="ja-JP" altLang="en-US" sz="800" dirty="0"/>
+              <a:t>コード　</a:t>
+            </a:r>
+            <a:r>
+              <a:rPr kumimoji="1" lang="en-US" altLang="ja-JP" sz="800" dirty="0"/>
+              <a:t>POI</a:t>
+            </a:r>
+            <a:r>
+              <a:rPr kumimoji="1" lang="ja-JP" altLang="en-US" sz="800" dirty="0"/>
+              <a:t>コード</a:t>
+            </a:r>
+          </a:p>
+          <a:p>
+            <a:r>
+              <a:rPr kumimoji="1" lang="ja-JP" altLang="en-US" sz="800" dirty="0"/>
+              <a:t>ルール　</a:t>
+            </a:r>
+            <a:r>
+              <a:rPr kumimoji="1" lang="en-US" altLang="ja-JP" sz="800" dirty="0"/>
+              <a:t>GIF</a:t>
+            </a:r>
+            <a:r>
+              <a:rPr kumimoji="1" lang="ja-JP" altLang="en-US" sz="800" dirty="0"/>
+              <a:t>推進に有益なルール等</a:t>
+            </a:r>
+          </a:p>
+        </p:txBody>
+      </p:sp>
+      <p:sp>
+        <p:nvSpPr>
+          <p:cNvPr id="116" name="正方形/長方形 115">
+            <a:extLst>
+              <a:ext uri="{FF2B5EF4-FFF2-40B4-BE49-F238E27FC236}">
+                <a16:creationId xmlns:a16="http://schemas.microsoft.com/office/drawing/2014/main" id="{37758E61-9CEA-4285-9B6A-87D40CE9463D}"/>
               </a:ext>
             </a:extLst>
           </p:cNvPr>
@@ -26956,19 +27217,428 @@
         </p:nvSpPr>
         <p:spPr>
           <a:xfrm>
-            <a:off x="137532" y="2535253"/>
-            <a:ext cx="3560018" cy="2263822"/>
-          </a:xfrm>
-          <a:prstGeom prst="foldedCorner">
+            <a:off x="8678337" y="5275795"/>
+            <a:ext cx="911062" cy="307777"/>
+          </a:xfrm>
+          <a:prstGeom prst="rect">
+            <a:avLst/>
+          </a:prstGeom>
+        </p:spPr>
+        <p:style>
+          <a:lnRef idx="2">
+            <a:schemeClr val="dk1"/>
+          </a:lnRef>
+          <a:fillRef idx="1">
+            <a:schemeClr val="lt1"/>
+          </a:fillRef>
+          <a:effectRef idx="0">
+            <a:schemeClr val="dk1"/>
+          </a:effectRef>
+          <a:fontRef idx="minor">
+            <a:schemeClr val="dk1"/>
+          </a:fontRef>
+        </p:style>
+        <p:txBody>
+          <a:bodyPr lIns="36000" tIns="72000" rIns="36000" rtlCol="0" anchor="ctr"/>
+          <a:lstStyle/>
+          <a:p>
+            <a:pPr algn="ctr"/>
+            <a:r>
+              <a:rPr kumimoji="1" lang="ja-JP" altLang="en-US" sz="1000" dirty="0"/>
+              <a:t>メタデータ</a:t>
+            </a:r>
+            <a:endParaRPr kumimoji="1" lang="en-US" altLang="ja-JP" sz="1000" dirty="0"/>
+          </a:p>
+          <a:p>
+            <a:pPr algn="ctr"/>
+            <a:r>
+              <a:rPr kumimoji="1" lang="ja-JP" altLang="en-US" sz="1000" dirty="0"/>
+              <a:t>（検索情報）</a:t>
+            </a:r>
+          </a:p>
+        </p:txBody>
+      </p:sp>
+      <p:sp>
+        <p:nvSpPr>
+          <p:cNvPr id="118" name="正方形/長方形 117">
+            <a:extLst>
+              <a:ext uri="{FF2B5EF4-FFF2-40B4-BE49-F238E27FC236}">
+                <a16:creationId xmlns:a16="http://schemas.microsoft.com/office/drawing/2014/main" id="{9DB69FFC-6AC3-43F9-A6D0-E09B8EF9DA7C}"/>
+              </a:ext>
+            </a:extLst>
+          </p:cNvPr>
+          <p:cNvSpPr/>
+          <p:nvPr/>
+        </p:nvSpPr>
+        <p:spPr>
+          <a:xfrm>
+            <a:off x="2124053" y="4718644"/>
+            <a:ext cx="911062" cy="307777"/>
+          </a:xfrm>
+          <a:prstGeom prst="rect">
+            <a:avLst/>
+          </a:prstGeom>
+        </p:spPr>
+        <p:style>
+          <a:lnRef idx="2">
+            <a:schemeClr val="dk1"/>
+          </a:lnRef>
+          <a:fillRef idx="1">
+            <a:schemeClr val="lt1"/>
+          </a:fillRef>
+          <a:effectRef idx="0">
+            <a:schemeClr val="dk1"/>
+          </a:effectRef>
+          <a:fontRef idx="minor">
+            <a:schemeClr val="dk1"/>
+          </a:fontRef>
+        </p:style>
+        <p:txBody>
+          <a:bodyPr lIns="36000" rIns="36000" rtlCol="0" anchor="ctr"/>
+          <a:lstStyle/>
+          <a:p>
+            <a:pPr algn="ctr"/>
+            <a:r>
+              <a:rPr kumimoji="1" lang="ja-JP" altLang="en-US" sz="1000" dirty="0"/>
+              <a:t>人</a:t>
+            </a:r>
+          </a:p>
+        </p:txBody>
+      </p:sp>
+      <p:sp>
+        <p:nvSpPr>
+          <p:cNvPr id="119" name="正方形/長方形 118">
+            <a:extLst>
+              <a:ext uri="{FF2B5EF4-FFF2-40B4-BE49-F238E27FC236}">
+                <a16:creationId xmlns:a16="http://schemas.microsoft.com/office/drawing/2014/main" id="{8FA6E1A1-A650-4197-829F-C9B0FDCDF98C}"/>
+              </a:ext>
+            </a:extLst>
+          </p:cNvPr>
+          <p:cNvSpPr/>
+          <p:nvPr/>
+        </p:nvSpPr>
+        <p:spPr>
+          <a:xfrm>
+            <a:off x="3080810" y="4718644"/>
+            <a:ext cx="911062" cy="307777"/>
+          </a:xfrm>
+          <a:prstGeom prst="rect">
+            <a:avLst/>
+          </a:prstGeom>
+          <a:ln>
+            <a:solidFill>
+              <a:srgbClr val="FF0000"/>
+            </a:solidFill>
+          </a:ln>
+        </p:spPr>
+        <p:style>
+          <a:lnRef idx="2">
+            <a:schemeClr val="dk1"/>
+          </a:lnRef>
+          <a:fillRef idx="1">
+            <a:schemeClr val="lt1"/>
+          </a:fillRef>
+          <a:effectRef idx="0">
+            <a:schemeClr val="dk1"/>
+          </a:effectRef>
+          <a:fontRef idx="minor">
+            <a:schemeClr val="dk1"/>
+          </a:fontRef>
+        </p:style>
+        <p:txBody>
+          <a:bodyPr lIns="36000" rIns="36000" rtlCol="0" anchor="ctr"/>
+          <a:lstStyle/>
+          <a:p>
+            <a:pPr algn="ctr"/>
+            <a:r>
+              <a:rPr kumimoji="1" lang="ja-JP" altLang="en-US" sz="1000" dirty="0"/>
+              <a:t>法人</a:t>
+            </a:r>
+          </a:p>
+        </p:txBody>
+      </p:sp>
+      <p:sp>
+        <p:nvSpPr>
+          <p:cNvPr id="139" name="正方形/長方形 138">
+            <a:extLst>
+              <a:ext uri="{FF2B5EF4-FFF2-40B4-BE49-F238E27FC236}">
+                <a16:creationId xmlns:a16="http://schemas.microsoft.com/office/drawing/2014/main" id="{8ACE1929-58BB-4FCC-B478-B6B289724D6A}"/>
+              </a:ext>
+            </a:extLst>
+          </p:cNvPr>
+          <p:cNvSpPr/>
+          <p:nvPr/>
+        </p:nvSpPr>
+        <p:spPr>
+          <a:xfrm>
+            <a:off x="5964816" y="4718644"/>
+            <a:ext cx="911062" cy="307777"/>
+          </a:xfrm>
+          <a:prstGeom prst="rect">
+            <a:avLst/>
+          </a:prstGeom>
+          <a:ln>
+            <a:solidFill>
+              <a:srgbClr val="FF0000"/>
+            </a:solidFill>
+          </a:ln>
+        </p:spPr>
+        <p:style>
+          <a:lnRef idx="2">
+            <a:schemeClr val="dk1"/>
+          </a:lnRef>
+          <a:fillRef idx="1">
+            <a:schemeClr val="lt1"/>
+          </a:fillRef>
+          <a:effectRef idx="0">
+            <a:schemeClr val="dk1"/>
+          </a:effectRef>
+          <a:fontRef idx="minor">
+            <a:schemeClr val="dk1"/>
+          </a:fontRef>
+        </p:style>
+        <p:txBody>
+          <a:bodyPr lIns="36000" rIns="36000" rtlCol="0" anchor="ctr"/>
+          <a:lstStyle/>
+          <a:p>
+            <a:pPr algn="ctr"/>
+            <a:r>
+              <a:rPr kumimoji="1" lang="ja-JP" altLang="en-US" sz="1000" dirty="0"/>
+              <a:t>施設</a:t>
+            </a:r>
+          </a:p>
+        </p:txBody>
+      </p:sp>
+      <p:sp>
+        <p:nvSpPr>
+          <p:cNvPr id="140" name="正方形/長方形 139">
+            <a:extLst>
+              <a:ext uri="{FF2B5EF4-FFF2-40B4-BE49-F238E27FC236}">
+                <a16:creationId xmlns:a16="http://schemas.microsoft.com/office/drawing/2014/main" id="{5002C3A6-86CC-417E-829F-A3DBD9C97EC3}"/>
+              </a:ext>
+            </a:extLst>
+          </p:cNvPr>
+          <p:cNvSpPr/>
+          <p:nvPr/>
+        </p:nvSpPr>
+        <p:spPr>
+          <a:xfrm>
+            <a:off x="6927664" y="4718644"/>
+            <a:ext cx="911062" cy="307777"/>
+          </a:xfrm>
+          <a:prstGeom prst="rect">
+            <a:avLst/>
+          </a:prstGeom>
+          <a:ln>
+            <a:solidFill>
+              <a:srgbClr val="FF0000"/>
+            </a:solidFill>
+          </a:ln>
+        </p:spPr>
+        <p:style>
+          <a:lnRef idx="2">
+            <a:schemeClr val="dk1"/>
+          </a:lnRef>
+          <a:fillRef idx="1">
+            <a:schemeClr val="lt1"/>
+          </a:fillRef>
+          <a:effectRef idx="0">
+            <a:schemeClr val="dk1"/>
+          </a:effectRef>
+          <a:fontRef idx="minor">
+            <a:schemeClr val="dk1"/>
+          </a:fontRef>
+        </p:style>
+        <p:txBody>
+          <a:bodyPr lIns="36000" rIns="36000" rtlCol="0" anchor="ctr"/>
+          <a:lstStyle/>
+          <a:p>
+            <a:pPr algn="ctr"/>
+            <a:r>
+              <a:rPr kumimoji="1" lang="ja-JP" altLang="en-US" sz="1000" dirty="0"/>
+              <a:t>設備</a:t>
+            </a:r>
+          </a:p>
+        </p:txBody>
+      </p:sp>
+      <p:sp>
+        <p:nvSpPr>
+          <p:cNvPr id="141" name="正方形/長方形 140">
+            <a:extLst>
+              <a:ext uri="{FF2B5EF4-FFF2-40B4-BE49-F238E27FC236}">
+                <a16:creationId xmlns:a16="http://schemas.microsoft.com/office/drawing/2014/main" id="{535F5D74-2CA2-492C-AFE0-EF2A144763A4}"/>
+              </a:ext>
+            </a:extLst>
+          </p:cNvPr>
+          <p:cNvSpPr/>
+          <p:nvPr/>
+        </p:nvSpPr>
+        <p:spPr>
+          <a:xfrm>
+            <a:off x="4051579" y="4718644"/>
+            <a:ext cx="911062" cy="307777"/>
+          </a:xfrm>
+          <a:prstGeom prst="rect">
+            <a:avLst/>
+          </a:prstGeom>
+          <a:ln>
+            <a:solidFill>
+              <a:srgbClr val="FF0000"/>
+            </a:solidFill>
+          </a:ln>
+        </p:spPr>
+        <p:style>
+          <a:lnRef idx="2">
+            <a:schemeClr val="dk1"/>
+          </a:lnRef>
+          <a:fillRef idx="1">
+            <a:schemeClr val="lt1"/>
+          </a:fillRef>
+          <a:effectRef idx="0">
+            <a:schemeClr val="dk1"/>
+          </a:effectRef>
+          <a:fontRef idx="minor">
+            <a:schemeClr val="dk1"/>
+          </a:fontRef>
+        </p:style>
+        <p:txBody>
+          <a:bodyPr lIns="36000" rIns="36000" rtlCol="0" anchor="ctr"/>
+          <a:lstStyle/>
+          <a:p>
+            <a:pPr algn="ctr"/>
+            <a:r>
+              <a:rPr kumimoji="1" lang="ja-JP" altLang="en-US" sz="1000" dirty="0"/>
+              <a:t>土地</a:t>
+            </a:r>
+          </a:p>
+        </p:txBody>
+      </p:sp>
+      <p:sp>
+        <p:nvSpPr>
+          <p:cNvPr id="142" name="正方形/長方形 141">
+            <a:extLst>
+              <a:ext uri="{FF2B5EF4-FFF2-40B4-BE49-F238E27FC236}">
+                <a16:creationId xmlns:a16="http://schemas.microsoft.com/office/drawing/2014/main" id="{E29BB091-8FF7-4E8B-BEFB-58354A1293A3}"/>
+              </a:ext>
+            </a:extLst>
+          </p:cNvPr>
+          <p:cNvSpPr/>
+          <p:nvPr/>
+        </p:nvSpPr>
+        <p:spPr>
+          <a:xfrm>
+            <a:off x="5008336" y="4718644"/>
+            <a:ext cx="911062" cy="307777"/>
+          </a:xfrm>
+          <a:prstGeom prst="rect">
+            <a:avLst/>
+          </a:prstGeom>
+          <a:ln>
+            <a:solidFill>
+              <a:srgbClr val="FF0000"/>
+            </a:solidFill>
+          </a:ln>
+        </p:spPr>
+        <p:style>
+          <a:lnRef idx="2">
+            <a:schemeClr val="dk1"/>
+          </a:lnRef>
+          <a:fillRef idx="1">
+            <a:schemeClr val="lt1"/>
+          </a:fillRef>
+          <a:effectRef idx="0">
+            <a:schemeClr val="dk1"/>
+          </a:effectRef>
+          <a:fontRef idx="minor">
+            <a:schemeClr val="dk1"/>
+          </a:fontRef>
+        </p:style>
+        <p:txBody>
+          <a:bodyPr lIns="36000" rIns="36000" rtlCol="0" anchor="ctr"/>
+          <a:lstStyle/>
+          <a:p>
+            <a:pPr algn="ctr"/>
+            <a:r>
+              <a:rPr kumimoji="1" lang="ja-JP" altLang="en-US" sz="1000" dirty="0"/>
+              <a:t>建物</a:t>
+            </a:r>
+          </a:p>
+        </p:txBody>
+      </p:sp>
+      <p:sp>
+        <p:nvSpPr>
+          <p:cNvPr id="143" name="正方形/長方形 142">
+            <a:extLst>
+              <a:ext uri="{FF2B5EF4-FFF2-40B4-BE49-F238E27FC236}">
+                <a16:creationId xmlns:a16="http://schemas.microsoft.com/office/drawing/2014/main" id="{BF87754C-2321-4CA3-B4A5-152FF9EF88CE}"/>
+              </a:ext>
+            </a:extLst>
+          </p:cNvPr>
+          <p:cNvSpPr/>
+          <p:nvPr/>
+        </p:nvSpPr>
+        <p:spPr>
+          <a:xfrm>
+            <a:off x="7893341" y="4718644"/>
+            <a:ext cx="911062" cy="307777"/>
+          </a:xfrm>
+          <a:prstGeom prst="rect">
+            <a:avLst/>
+          </a:prstGeom>
+        </p:spPr>
+        <p:style>
+          <a:lnRef idx="2">
+            <a:schemeClr val="dk1"/>
+          </a:lnRef>
+          <a:fillRef idx="1">
+            <a:schemeClr val="lt1"/>
+          </a:fillRef>
+          <a:effectRef idx="0">
+            <a:schemeClr val="dk1"/>
+          </a:effectRef>
+          <a:fontRef idx="minor">
+            <a:schemeClr val="dk1"/>
+          </a:fontRef>
+        </p:style>
+        <p:txBody>
+          <a:bodyPr lIns="36000" rIns="36000" rtlCol="0" anchor="ctr"/>
+          <a:lstStyle/>
+          <a:p>
+            <a:pPr algn="ctr"/>
+            <a:r>
+              <a:rPr kumimoji="1" lang="ja-JP" altLang="en-US" sz="1000" dirty="0"/>
+              <a:t>イベント</a:t>
+            </a:r>
+          </a:p>
+        </p:txBody>
+      </p:sp>
+      <p:sp>
+        <p:nvSpPr>
+          <p:cNvPr id="3" name="矢印: 上 2">
+            <a:extLst>
+              <a:ext uri="{FF2B5EF4-FFF2-40B4-BE49-F238E27FC236}">
+                <a16:creationId xmlns:a16="http://schemas.microsoft.com/office/drawing/2014/main" id="{DA4ABB33-C432-4A54-A285-03EEC6074907}"/>
+              </a:ext>
+            </a:extLst>
+          </p:cNvPr>
+          <p:cNvSpPr/>
+          <p:nvPr/>
+        </p:nvSpPr>
+        <p:spPr>
+          <a:xfrm rot="20602078">
+            <a:off x="4595764" y="4817252"/>
+            <a:ext cx="1375485" cy="2252306"/>
+          </a:xfrm>
+          <a:prstGeom prst="upArrow">
             <a:avLst/>
           </a:prstGeom>
           <a:solidFill>
-            <a:srgbClr val="FFCCCC"/>
+            <a:srgbClr val="FF0000">
+              <a:alpha val="20000"/>
+            </a:srgbClr>
           </a:solidFill>
           <a:ln>
-            <a:solidFill>
-              <a:schemeClr val="tx1"/>
-            </a:solidFill>
+            <a:noFill/>
           </a:ln>
         </p:spPr>
         <p:style>
@@ -26991,46 +27661,17 @@
           <a:bodyPr rtlCol="0" anchor="ctr"/>
           <a:lstStyle/>
           <a:p>
-            <a:pPr marL="285750" indent="-285750">
-              <a:buFont typeface="Arial" panose="020B0604020202020204" pitchFamily="34" charset="0"/>
-              <a:buChar char="•"/>
-            </a:pPr>
-            <a:r>
-              <a:rPr kumimoji="1" lang="ja-JP" altLang="en-US" dirty="0">
-                <a:solidFill>
-                  <a:schemeClr val="tx1"/>
-                </a:solidFill>
-              </a:rPr>
-              <a:t>ベース・レジストリや各種データの整備はデータ標準の積み上げにより実現される。</a:t>
-            </a:r>
-            <a:endParaRPr kumimoji="1" lang="en-US" altLang="ja-JP" dirty="0">
-              <a:solidFill>
-                <a:schemeClr val="tx1"/>
-              </a:solidFill>
-            </a:endParaRPr>
-          </a:p>
-          <a:p>
-            <a:pPr marL="285750" indent="-285750">
-              <a:buFont typeface="Arial" panose="020B0604020202020204" pitchFamily="34" charset="0"/>
-              <a:buChar char="•"/>
-            </a:pPr>
-            <a:r>
-              <a:rPr kumimoji="1" lang="ja-JP" altLang="en-US" dirty="0">
-                <a:solidFill>
-                  <a:schemeClr val="tx1"/>
-                </a:solidFill>
-              </a:rPr>
-              <a:t>データ項目が共通化されるので分野横断でのデータ活用が行いやすい。</a:t>
-            </a:r>
-          </a:p>
-        </p:txBody>
-      </p:sp>
-      <p:sp>
-        <p:nvSpPr>
-          <p:cNvPr id="121" name="矢印: 上 120">
-            <a:extLst>
-              <a:ext uri="{FF2B5EF4-FFF2-40B4-BE49-F238E27FC236}">
-                <a16:creationId xmlns:a16="http://schemas.microsoft.com/office/drawing/2014/main" id="{909B5B4B-A4B6-4603-92FB-62D29C1583A0}"/>
+            <a:pPr algn="ctr"/>
+            <a:endParaRPr kumimoji="1" lang="ja-JP" altLang="en-US"/>
+          </a:p>
+        </p:txBody>
+      </p:sp>
+      <p:sp>
+        <p:nvSpPr>
+          <p:cNvPr id="138" name="矢印: 上 137">
+            <a:extLst>
+              <a:ext uri="{FF2B5EF4-FFF2-40B4-BE49-F238E27FC236}">
+                <a16:creationId xmlns:a16="http://schemas.microsoft.com/office/drawing/2014/main" id="{F4C521A8-D978-46D5-8622-B543A2DF9B09}"/>
               </a:ext>
             </a:extLst>
           </p:cNvPr>
@@ -27038,9 +27679,9 @@
           <p:nvPr/>
         </p:nvSpPr>
         <p:spPr>
-          <a:xfrm rot="20732258">
-            <a:off x="4132434" y="2190629"/>
-            <a:ext cx="865514" cy="2318705"/>
+          <a:xfrm rot="16971763">
+            <a:off x="6732905" y="4065708"/>
+            <a:ext cx="679355" cy="2553603"/>
           </a:xfrm>
           <a:prstGeom prst="upArrow">
             <a:avLst/>
@@ -27081,10 +27722,10 @@
       </p:sp>
       <p:sp>
         <p:nvSpPr>
-          <p:cNvPr id="138" name="矢印: 上 137">
-            <a:extLst>
-              <a:ext uri="{FF2B5EF4-FFF2-40B4-BE49-F238E27FC236}">
-                <a16:creationId xmlns:a16="http://schemas.microsoft.com/office/drawing/2014/main" id="{F4C521A8-D978-46D5-8622-B543A2DF9B09}"/>
+          <p:cNvPr id="144" name="四角形: メモ 143">
+            <a:extLst>
+              <a:ext uri="{FF2B5EF4-FFF2-40B4-BE49-F238E27FC236}">
+                <a16:creationId xmlns:a16="http://schemas.microsoft.com/office/drawing/2014/main" id="{B2578833-F5FB-4C8F-9216-79D2C770B4AE}"/>
               </a:ext>
             </a:extLst>
           </p:cNvPr>
@@ -27092,20 +27733,20 @@
           <p:nvPr/>
         </p:nvSpPr>
         <p:spPr>
-          <a:xfrm rot="16971763">
-            <a:off x="6732905" y="4065708"/>
-            <a:ext cx="679355" cy="2553603"/>
-          </a:xfrm>
-          <a:prstGeom prst="upArrow">
+          <a:xfrm>
+            <a:off x="82486" y="2140989"/>
+            <a:ext cx="3560018" cy="2700815"/>
+          </a:xfrm>
+          <a:prstGeom prst="foldedCorner">
             <a:avLst/>
           </a:prstGeom>
           <a:solidFill>
-            <a:srgbClr val="FF0000">
-              <a:alpha val="20000"/>
-            </a:srgbClr>
+            <a:srgbClr val="FFCCCC"/>
           </a:solidFill>
           <a:ln>
-            <a:noFill/>
+            <a:solidFill>
+              <a:schemeClr val="tx1"/>
+            </a:solidFill>
           </a:ln>
         </p:spPr>
         <p:style>
@@ -27128,350 +27769,69 @@
           <a:bodyPr rtlCol="0" anchor="ctr"/>
           <a:lstStyle/>
           <a:p>
-            <a:pPr algn="ctr"/>
-            <a:endParaRPr kumimoji="1" lang="ja-JP" altLang="en-US"/>
-          </a:p>
-        </p:txBody>
-      </p:sp>
-      <p:sp>
-        <p:nvSpPr>
-          <p:cNvPr id="6" name="スライド番号プレースホルダー 5">
-            <a:extLst>
-              <a:ext uri="{FF2B5EF4-FFF2-40B4-BE49-F238E27FC236}">
-                <a16:creationId xmlns:a16="http://schemas.microsoft.com/office/drawing/2014/main" id="{12301520-4241-4F4F-AE5E-214BB0066C67}"/>
-              </a:ext>
-            </a:extLst>
-          </p:cNvPr>
-          <p:cNvSpPr>
-            <a:spLocks noGrp="1"/>
-          </p:cNvSpPr>
-          <p:nvPr>
-            <p:ph type="sldNum" sz="quarter" idx="4"/>
-          </p:nvPr>
-        </p:nvSpPr>
-        <p:spPr>
-          <a:xfrm>
-            <a:off x="9448800" y="6441493"/>
-            <a:ext cx="2743200" cy="365125"/>
-          </a:xfrm>
-        </p:spPr>
-        <p:txBody>
-          <a:bodyPr/>
-          <a:lstStyle/>
-          <a:p>
-            <a:fld id="{DFD4F317-19D0-4848-B5EB-5B174DBE8CF9}" type="slidenum">
-              <a:rPr lang="ja-JP" altLang="en-US" smtClean="0"/>
-              <a:pPr/>
-              <a:t>13</a:t>
-            </a:fld>
-            <a:endParaRPr lang="ja-JP" altLang="en-US" dirty="0"/>
-          </a:p>
-        </p:txBody>
-      </p:sp>
-      <p:sp>
-        <p:nvSpPr>
-          <p:cNvPr id="117" name="テキスト ボックス 116">
-            <a:extLst>
-              <a:ext uri="{FF2B5EF4-FFF2-40B4-BE49-F238E27FC236}">
-                <a16:creationId xmlns:a16="http://schemas.microsoft.com/office/drawing/2014/main" id="{E1BC7481-A6D7-46F4-9B9A-9880001C8592}"/>
-              </a:ext>
-            </a:extLst>
-          </p:cNvPr>
-          <p:cNvSpPr txBox="1"/>
-          <p:nvPr/>
-        </p:nvSpPr>
-        <p:spPr>
-          <a:xfrm>
-            <a:off x="9745404" y="1162998"/>
-            <a:ext cx="2538633" cy="5755422"/>
-          </a:xfrm>
-          <a:prstGeom prst="rect">
-            <a:avLst/>
-          </a:prstGeom>
-          <a:noFill/>
-        </p:spPr>
-        <p:txBody>
-          <a:bodyPr wrap="square" rtlCol="0">
-            <a:spAutoFit/>
-          </a:bodyPr>
-          <a:lstStyle/>
-          <a:p>
-            <a:r>
-              <a:rPr kumimoji="1" lang="ja-JP" altLang="en-US" sz="800" u="sng" dirty="0"/>
-              <a:t>ガイドブック群</a:t>
-            </a:r>
-            <a:endParaRPr kumimoji="1" lang="en-US" altLang="ja-JP" sz="800" u="sng" dirty="0"/>
-          </a:p>
-          <a:p>
-            <a:endParaRPr kumimoji="1" lang="en-US" altLang="ja-JP" sz="800" dirty="0"/>
-          </a:p>
-          <a:p>
-            <a:r>
-              <a:rPr kumimoji="1" lang="ja-JP" altLang="en-US" sz="800" dirty="0"/>
-              <a:t>政府相互運用性フレームワーク　全体編</a:t>
-            </a:r>
-          </a:p>
-          <a:p>
-            <a:endParaRPr kumimoji="1" lang="ja-JP" altLang="en-US" sz="800" dirty="0"/>
-          </a:p>
-          <a:p>
-            <a:r>
-              <a:rPr kumimoji="1" lang="ja-JP" altLang="en-US" sz="800" dirty="0"/>
-              <a:t>コア語彙（共通語彙基盤）</a:t>
-            </a:r>
-          </a:p>
-          <a:p>
-            <a:endParaRPr kumimoji="1" lang="en-US" altLang="ja-JP" sz="800" dirty="0"/>
-          </a:p>
-          <a:p>
-            <a:r>
-              <a:rPr kumimoji="1" lang="ja-JP" altLang="en-US" sz="800" dirty="0"/>
-              <a:t>コアデータモデル　全体概要</a:t>
-            </a:r>
-          </a:p>
-          <a:p>
-            <a:r>
-              <a:rPr kumimoji="1" lang="ja-JP" altLang="en-US" sz="800" dirty="0"/>
-              <a:t>コアデータモデル解説書　個人</a:t>
-            </a:r>
-          </a:p>
-          <a:p>
-            <a:r>
-              <a:rPr kumimoji="1" lang="ja-JP" altLang="en-US" sz="800" dirty="0"/>
-              <a:t>コアデータモデル解説書　連絡先</a:t>
-            </a:r>
-          </a:p>
-          <a:p>
-            <a:r>
-              <a:rPr kumimoji="1" lang="ja-JP" altLang="en-US" sz="800" dirty="0"/>
-              <a:t>コアデータモデル解説書　住所</a:t>
-            </a:r>
-          </a:p>
-          <a:p>
-            <a:r>
-              <a:rPr kumimoji="1" lang="ja-JP" altLang="en-US" sz="800" dirty="0"/>
-              <a:t>コアデータモデル解説書　法人</a:t>
-            </a:r>
-          </a:p>
-          <a:p>
-            <a:r>
-              <a:rPr kumimoji="1" lang="ja-JP" altLang="en-US" sz="800" dirty="0"/>
-              <a:t>コアデータモデル解説書　施設</a:t>
-            </a:r>
-          </a:p>
-          <a:p>
-            <a:r>
-              <a:rPr kumimoji="1" lang="ja-JP" altLang="en-US" sz="800" dirty="0"/>
-              <a:t>コアデータモデル解説書　アクセシビリティ</a:t>
-            </a:r>
-          </a:p>
-          <a:p>
-            <a:r>
-              <a:rPr kumimoji="1" lang="ja-JP" altLang="en-US" sz="800" dirty="0"/>
-              <a:t>コアデータモデル解説書　子育て支援情報</a:t>
-            </a:r>
-          </a:p>
-          <a:p>
-            <a:endParaRPr kumimoji="1" lang="ja-JP" altLang="en-US" sz="800" dirty="0"/>
-          </a:p>
-          <a:p>
-            <a:r>
-              <a:rPr kumimoji="1" lang="ja-JP" altLang="en-US" sz="800" dirty="0"/>
-              <a:t>コアデータパーツ　日付及び時刻</a:t>
-            </a:r>
-          </a:p>
-          <a:p>
-            <a:r>
-              <a:rPr kumimoji="1" lang="ja-JP" altLang="en-US" sz="800" dirty="0"/>
-              <a:t>コアデータパーツ　住所（アドレス）</a:t>
-            </a:r>
-          </a:p>
-          <a:p>
-            <a:r>
-              <a:rPr kumimoji="1" lang="ja-JP" altLang="en-US" sz="800" dirty="0"/>
-              <a:t>コアデータパーツ　郵便番号</a:t>
-            </a:r>
-          </a:p>
-          <a:p>
-            <a:r>
-              <a:rPr kumimoji="1" lang="ja-JP" altLang="en-US" sz="800" dirty="0"/>
-              <a:t>コアデータパーツ　地理座標</a:t>
-            </a:r>
-          </a:p>
-          <a:p>
-            <a:r>
-              <a:rPr kumimoji="1" lang="ja-JP" altLang="en-US" sz="800" dirty="0"/>
-              <a:t>コアデータパーツ　電話番号</a:t>
-            </a:r>
-          </a:p>
-          <a:p>
-            <a:endParaRPr kumimoji="1" lang="ja-JP" altLang="en-US" sz="800" dirty="0"/>
-          </a:p>
-          <a:p>
-            <a:r>
-              <a:rPr kumimoji="1" lang="ja-JP" altLang="en-US" sz="800" dirty="0"/>
-              <a:t>実装データモデル（行政）　申請・届出</a:t>
-            </a:r>
-          </a:p>
-          <a:p>
-            <a:r>
-              <a:rPr kumimoji="1" lang="ja-JP" altLang="en-US" sz="800" dirty="0"/>
-              <a:t>実装データモデル（行政）　証明・通知</a:t>
-            </a:r>
-          </a:p>
-          <a:p>
-            <a:r>
-              <a:rPr kumimoji="1" lang="ja-JP" altLang="en-US" sz="800" dirty="0"/>
-              <a:t>実装データモデル（行政）　事例</a:t>
-            </a:r>
-          </a:p>
-          <a:p>
-            <a:r>
-              <a:rPr kumimoji="1" lang="ja-JP" altLang="en-US" sz="800" dirty="0"/>
-              <a:t>実装データモデル（行政）　行政サービス・制度</a:t>
-            </a:r>
-          </a:p>
-          <a:p>
-            <a:r>
-              <a:rPr kumimoji="1" lang="ja-JP" altLang="en-US" sz="800" dirty="0"/>
-              <a:t>実装データモデル（行政）　イベント</a:t>
-            </a:r>
-          </a:p>
-          <a:p>
-            <a:r>
-              <a:rPr kumimoji="1" lang="ja-JP" altLang="en-US" sz="800" dirty="0"/>
-              <a:t>実装データモデル（行政）　報告書</a:t>
-            </a:r>
-          </a:p>
-          <a:p>
-            <a:r>
-              <a:rPr kumimoji="1" lang="ja-JP" altLang="en-US" sz="800" dirty="0"/>
-              <a:t>実装データモデル（行政）　</a:t>
-            </a:r>
-            <a:endParaRPr kumimoji="1" lang="en-US" altLang="ja-JP" sz="800" dirty="0"/>
-          </a:p>
-          <a:p>
-            <a:r>
-              <a:rPr kumimoji="1" lang="ja-JP" altLang="en-US" sz="800" dirty="0"/>
-              <a:t>　　　　　　　　行政サービス拠点・支援機関等</a:t>
-            </a:r>
-          </a:p>
-          <a:p>
-            <a:r>
-              <a:rPr kumimoji="1" lang="ja-JP" altLang="en-US" sz="800" dirty="0"/>
-              <a:t>実装データモデル（行政）　調達</a:t>
-            </a:r>
-          </a:p>
-          <a:p>
-            <a:endParaRPr kumimoji="1" lang="ja-JP" altLang="en-US" sz="800" dirty="0"/>
-          </a:p>
-          <a:p>
-            <a:r>
-              <a:rPr kumimoji="1" lang="ja-JP" altLang="en-US" sz="800" dirty="0"/>
-              <a:t>文字環境導入実践ガイドブック</a:t>
-            </a:r>
-          </a:p>
-          <a:p>
-            <a:r>
-              <a:rPr kumimoji="1" lang="ja-JP" altLang="en-US" sz="800" dirty="0"/>
-              <a:t>マスターデータ等基本データ導入実践ガイドブック</a:t>
-            </a:r>
-          </a:p>
-          <a:p>
-            <a:r>
-              <a:rPr kumimoji="1" lang="ja-JP" altLang="en-US" sz="800" dirty="0"/>
-              <a:t>コード（分類体系）導入実践ガイドブック</a:t>
-            </a:r>
-          </a:p>
-          <a:p>
-            <a:r>
-              <a:rPr kumimoji="1" lang="en-US" altLang="ja-JP" sz="800" dirty="0"/>
-              <a:t>API</a:t>
-            </a:r>
-            <a:r>
-              <a:rPr kumimoji="1" lang="ja-JP" altLang="en-US" sz="800" dirty="0"/>
-              <a:t>導入実践ガイドブック</a:t>
-            </a:r>
-          </a:p>
-          <a:p>
-            <a:r>
-              <a:rPr kumimoji="1" lang="ja-JP" altLang="en-US" sz="800" dirty="0"/>
-              <a:t>データマネジメント実践ガイドブック</a:t>
-            </a:r>
-          </a:p>
-          <a:p>
-            <a:r>
-              <a:rPr kumimoji="1" lang="ja-JP" altLang="en-US" sz="800" dirty="0"/>
-              <a:t>データ人材管理実践ガイドブック</a:t>
-            </a:r>
-          </a:p>
-          <a:p>
-            <a:r>
-              <a:rPr kumimoji="1" lang="ja-JP" altLang="en-US" sz="800" dirty="0"/>
-              <a:t>データ環境整備のための</a:t>
-            </a:r>
-            <a:endParaRPr kumimoji="1" lang="en-US" altLang="ja-JP" sz="800" dirty="0"/>
-          </a:p>
-          <a:p>
-            <a:r>
-              <a:rPr kumimoji="1" lang="ja-JP" altLang="en-US" sz="800" dirty="0"/>
-              <a:t>　　　　　　アーキテクチャ管理実践ガイドブック</a:t>
-            </a:r>
-          </a:p>
-          <a:p>
-            <a:r>
-              <a:rPr kumimoji="1" lang="ja-JP" altLang="en-US" sz="800" dirty="0"/>
-              <a:t>データ品質管理ガイドブック</a:t>
-            </a:r>
-          </a:p>
-          <a:p>
-            <a:r>
-              <a:rPr kumimoji="1" lang="ja-JP" altLang="en-US" sz="800" dirty="0"/>
-              <a:t>メタデータ導入実践ガイドブック</a:t>
-            </a:r>
-          </a:p>
-          <a:p>
-            <a:endParaRPr kumimoji="1" lang="ja-JP" altLang="en-US" sz="800" dirty="0"/>
-          </a:p>
-          <a:p>
-            <a:r>
-              <a:rPr kumimoji="1" lang="ja-JP" altLang="en-US" sz="800" dirty="0"/>
-              <a:t>コード　サービスカタログ</a:t>
-            </a:r>
-          </a:p>
-          <a:p>
-            <a:r>
-              <a:rPr kumimoji="1" lang="ja-JP" altLang="en-US" sz="800" dirty="0"/>
-              <a:t>コード　コード一覧</a:t>
-            </a:r>
-          </a:p>
-          <a:p>
-            <a:r>
-              <a:rPr kumimoji="1" lang="ja-JP" altLang="en-US" sz="800" dirty="0"/>
-              <a:t>コード　</a:t>
-            </a:r>
-            <a:r>
-              <a:rPr kumimoji="1" lang="en-US" altLang="ja-JP" sz="800" dirty="0"/>
-              <a:t>POI</a:t>
-            </a:r>
-            <a:r>
-              <a:rPr kumimoji="1" lang="ja-JP" altLang="en-US" sz="800" dirty="0"/>
-              <a:t>コード</a:t>
-            </a:r>
-          </a:p>
-          <a:p>
-            <a:r>
-              <a:rPr kumimoji="1" lang="ja-JP" altLang="en-US" sz="800" dirty="0"/>
-              <a:t>ルール　</a:t>
-            </a:r>
-            <a:r>
-              <a:rPr kumimoji="1" lang="en-US" altLang="ja-JP" sz="800" dirty="0"/>
-              <a:t>GIF</a:t>
-            </a:r>
-            <a:r>
-              <a:rPr kumimoji="1" lang="ja-JP" altLang="en-US" sz="800" dirty="0"/>
-              <a:t>推進に有益なルール等</a:t>
-            </a:r>
+            <a:pPr marL="285750" indent="-285750">
+              <a:buFont typeface="Arial" panose="020B0604020202020204" pitchFamily="34" charset="0"/>
+              <a:buChar char="•"/>
+            </a:pPr>
+            <a:r>
+              <a:rPr kumimoji="1" lang="ja-JP" altLang="en-US" dirty="0">
+                <a:solidFill>
+                  <a:schemeClr val="tx1"/>
+                </a:solidFill>
+              </a:rPr>
+              <a:t>ベース・レジストリや各種データの整備は、データ標準の積み上げにより実現される。</a:t>
+            </a:r>
+            <a:endParaRPr kumimoji="1" lang="en-US" altLang="ja-JP" dirty="0">
+              <a:solidFill>
+                <a:schemeClr val="tx1"/>
+              </a:solidFill>
+            </a:endParaRPr>
+          </a:p>
+          <a:p>
+            <a:pPr marL="285750" indent="-285750">
+              <a:buFont typeface="Arial" panose="020B0604020202020204" pitchFamily="34" charset="0"/>
+              <a:buChar char="•"/>
+            </a:pPr>
+            <a:r>
+              <a:rPr kumimoji="1" lang="ja-JP" altLang="en-US" dirty="0">
+                <a:solidFill>
+                  <a:schemeClr val="tx1"/>
+                </a:solidFill>
+              </a:rPr>
+              <a:t>データ項目が共通化されるので、分野横断でのデータ活用が行いやすい。</a:t>
+            </a:r>
+            <a:endParaRPr kumimoji="1" lang="en-US" altLang="ja-JP" dirty="0">
+              <a:solidFill>
+                <a:schemeClr val="tx1"/>
+              </a:solidFill>
+            </a:endParaRPr>
+          </a:p>
+          <a:p>
+            <a:pPr marL="285750" indent="-285750">
+              <a:buFont typeface="Arial" panose="020B0604020202020204" pitchFamily="34" charset="0"/>
+              <a:buChar char="•"/>
+            </a:pPr>
+            <a:r>
+              <a:rPr lang="ja-JP" altLang="en-US" dirty="0">
+                <a:solidFill>
+                  <a:schemeClr val="tx1"/>
+                </a:solidFill>
+              </a:rPr>
+              <a:t>メタデータを共通化し、データを</a:t>
+            </a:r>
+            <a:r>
+              <a:rPr lang="ja-JP" altLang="en-US">
+                <a:solidFill>
+                  <a:schemeClr val="tx1"/>
+                </a:solidFill>
+              </a:rPr>
+              <a:t>見つけやすくなります。</a:t>
+            </a:r>
+            <a:endParaRPr kumimoji="1" lang="ja-JP" altLang="en-US" dirty="0">
+              <a:solidFill>
+                <a:schemeClr val="tx1"/>
+              </a:solidFill>
+            </a:endParaRPr>
           </a:p>
         </p:txBody>
       </p:sp>
@@ -40485,58 +40845,19 @@
           </a:p>
           <a:p>
             <a:r>
-              <a:rPr lang="ja-JP" altLang="en-US" sz="2000" kern="100" dirty="0">
-                <a:latin typeface="游明朝" panose="02020400000000000000" pitchFamily="18" charset="-128"/>
-                <a:ea typeface="游明朝" panose="02020400000000000000" pitchFamily="18" charset="-128"/>
-                <a:cs typeface="Times New Roman" panose="02020603050405020304" pitchFamily="18" charset="0"/>
-              </a:rPr>
-              <a:t>（</a:t>
-            </a:r>
-            <a:r>
               <a:rPr lang="en-US" altLang="ja-JP" sz="2000" kern="100" dirty="0">
-                <a:latin typeface="游明朝" panose="02020400000000000000" pitchFamily="18" charset="-128"/>
-                <a:ea typeface="游明朝" panose="02020400000000000000" pitchFamily="18" charset="-128"/>
+                <a:latin typeface="+mn-ea"/>
                 <a:cs typeface="Times New Roman" panose="02020603050405020304" pitchFamily="18" charset="0"/>
               </a:rPr>
               <a:t>API</a:t>
             </a:r>
             <a:r>
               <a:rPr lang="ja-JP" altLang="ja-JP" sz="2000" kern="100" dirty="0">
-                <a:latin typeface="游明朝" panose="02020400000000000000" pitchFamily="18" charset="-128"/>
-                <a:ea typeface="游明朝" panose="02020400000000000000" pitchFamily="18" charset="-128"/>
+                <a:latin typeface="+mn-ea"/>
                 <a:cs typeface="Times New Roman" panose="02020603050405020304" pitchFamily="18" charset="0"/>
               </a:rPr>
-              <a:t>テクニカルガイドブック［</a:t>
-            </a:r>
-            <a:r>
-              <a:rPr lang="en-US" altLang="ja-JP" sz="2000" kern="100" dirty="0">
-                <a:latin typeface="游明朝" panose="02020400000000000000" pitchFamily="18" charset="-128"/>
-                <a:ea typeface="游明朝" panose="02020400000000000000" pitchFamily="18" charset="-128"/>
-                <a:cs typeface="Times New Roman" panose="02020603050405020304" pitchFamily="18" charset="0"/>
-              </a:rPr>
-              <a:t>4</a:t>
-            </a:r>
-            <a:r>
-              <a:rPr lang="ja-JP" altLang="ja-JP" sz="2000" kern="100" dirty="0">
-                <a:latin typeface="游明朝" panose="02020400000000000000" pitchFamily="18" charset="-128"/>
-                <a:ea typeface="游明朝" panose="02020400000000000000" pitchFamily="18" charset="-128"/>
-                <a:cs typeface="Times New Roman" panose="02020603050405020304" pitchFamily="18" charset="0"/>
-              </a:rPr>
-              <a:t>月以降改定予定］</a:t>
-            </a:r>
-            <a:r>
-              <a:rPr lang="ja-JP" altLang="en-US" sz="2000" kern="100" dirty="0">
-                <a:latin typeface="游明朝" panose="02020400000000000000" pitchFamily="18" charset="-128"/>
-                <a:ea typeface="游明朝" panose="02020400000000000000" pitchFamily="18" charset="-128"/>
-                <a:cs typeface="Times New Roman" panose="02020603050405020304" pitchFamily="18" charset="0"/>
-              </a:rPr>
-              <a:t>）</a:t>
-            </a:r>
-            <a:endParaRPr lang="ja-JP" altLang="ja-JP" sz="2000" kern="100" dirty="0">
-              <a:latin typeface="游明朝" panose="02020400000000000000" pitchFamily="18" charset="-128"/>
-              <a:ea typeface="游明朝" panose="02020400000000000000" pitchFamily="18" charset="-128"/>
-              <a:cs typeface="Times New Roman" panose="02020603050405020304" pitchFamily="18" charset="0"/>
-            </a:endParaRPr>
+              <a:t>テクニカルガイドブック</a:t>
+            </a:r>
           </a:p>
           <a:p>
             <a:r>
@@ -48067,15 +48388,6 @@
 </file>
 
 <file path=customXml/item2.xml><?xml version="1.0" encoding="utf-8"?>
-<?mso-contentType ?>
-<FormTemplates xmlns="http://schemas.microsoft.com/sharepoint/v3/contenttype/forms">
-  <Display>DocumentLibraryForm</Display>
-  <Edit>DocumentLibraryForm</Edit>
-  <New>DocumentLibraryForm</New>
-</FormTemplates>
-</file>
-
-<file path=customXml/item3.xml><?xml version="1.0" encoding="utf-8"?>
 <p:properties xmlns:p="http://schemas.microsoft.com/office/2006/metadata/properties" xmlns:xsi="http://www.w3.org/2001/XMLSchema-instance" xmlns:pc="http://schemas.microsoft.com/office/infopath/2007/PartnerControls">
   <documentManagement>
     <_ip_UnifiedCompliancePolicyUIAction xmlns="http://schemas.microsoft.com/sharepoint/v3" xsi:nil="true"/>
@@ -48088,32 +48400,41 @@
 </p:properties>
 </file>
 
+<file path=customXml/item3.xml><?xml version="1.0" encoding="utf-8"?>
+<?mso-contentType ?>
+<FormTemplates xmlns="http://schemas.microsoft.com/sharepoint/v3/contenttype/forms">
+  <Display>DocumentLibraryForm</Display>
+  <Edit>DocumentLibraryForm</Edit>
+  <New>DocumentLibraryForm</New>
+</FormTemplates>
+</file>
+
 <file path=customXml/itemProps1.xml><?xml version="1.0" encoding="utf-8"?>
-<ds:datastoreItem xmlns:ds="http://schemas.openxmlformats.org/officeDocument/2006/customXml" ds:itemID="{C23819AD-EE9D-42A5-9710-3B4B8C36E059}"/>
+<ds:datastoreItem xmlns:ds="http://schemas.openxmlformats.org/officeDocument/2006/customXml" ds:itemID="{92B242C5-DD82-432E-9497-80C99DE458AB}"/>
 </file>
 
 <file path=customXml/itemProps2.xml><?xml version="1.0" encoding="utf-8"?>
+<ds:datastoreItem xmlns:ds="http://schemas.openxmlformats.org/officeDocument/2006/customXml" ds:itemID="{F687DB35-DACF-4645-8631-92FD4DC7CEAE}">
+  <ds:schemaRefs>
+    <ds:schemaRef ds:uri="http://purl.org/dc/elements/1.1/"/>
+    <ds:schemaRef ds:uri="http://schemas.microsoft.com/office/2006/documentManagement/types"/>
+    <ds:schemaRef ds:uri="http://schemas.openxmlformats.org/package/2006/metadata/core-properties"/>
+    <ds:schemaRef ds:uri="http://purl.org/dc/dcmitype/"/>
+    <ds:schemaRef ds:uri="http://schemas.microsoft.com/office/2006/metadata/properties"/>
+    <ds:schemaRef ds:uri="http://purl.org/dc/terms/"/>
+    <ds:schemaRef ds:uri="8c3438c2-774e-4b56-8e53-485ea73e7025"/>
+    <ds:schemaRef ds:uri="http://schemas.microsoft.com/office/infopath/2007/PartnerControls"/>
+    <ds:schemaRef ds:uri="a753eb55-ace7-47fe-8293-79a8dad7846a"/>
+    <ds:schemaRef ds:uri="http://schemas.microsoft.com/sharepoint/v3"/>
+    <ds:schemaRef ds:uri="http://www.w3.org/XML/1998/namespace"/>
+  </ds:schemaRefs>
+</ds:datastoreItem>
+</file>
+
+<file path=customXml/itemProps3.xml><?xml version="1.0" encoding="utf-8"?>
 <ds:datastoreItem xmlns:ds="http://schemas.openxmlformats.org/officeDocument/2006/customXml" ds:itemID="{959097E6-E003-49CC-86EB-6ED7ABE37107}">
   <ds:schemaRefs>
     <ds:schemaRef ds:uri="http://schemas.microsoft.com/sharepoint/v3/contenttype/forms"/>
   </ds:schemaRefs>
 </ds:datastoreItem>
-</file>
-
-<file path=customXml/itemProps3.xml><?xml version="1.0" encoding="utf-8"?>
-<ds:datastoreItem xmlns:ds="http://schemas.openxmlformats.org/officeDocument/2006/customXml" ds:itemID="{F687DB35-DACF-4645-8631-92FD4DC7CEAE}">
-  <ds:schemaRefs>
-    <ds:schemaRef ds:uri="http://purl.org/dc/dcmitype/"/>
-    <ds:schemaRef ds:uri="http://schemas.microsoft.com/office/2006/documentManagement/types"/>
-    <ds:schemaRef ds:uri="http://schemas.microsoft.com/office/2006/metadata/properties"/>
-    <ds:schemaRef ds:uri="8c3438c2-774e-4b56-8e53-485ea73e7025"/>
-    <ds:schemaRef ds:uri="http://www.w3.org/XML/1998/namespace"/>
-    <ds:schemaRef ds:uri="http://purl.org/dc/terms/"/>
-    <ds:schemaRef ds:uri="http://purl.org/dc/elements/1.1/"/>
-    <ds:schemaRef ds:uri="http://schemas.microsoft.com/sharepoint/v3"/>
-    <ds:schemaRef ds:uri="http://schemas.microsoft.com/office/infopath/2007/PartnerControls"/>
-    <ds:schemaRef ds:uri="http://schemas.openxmlformats.org/package/2006/metadata/core-properties"/>
-    <ds:schemaRef ds:uri="a753eb55-ace7-47fe-8293-79a8dad7846a"/>
-  </ds:schemaRefs>
-</ds:datastoreItem>
 </file>